--- a/펫북 wbs.pptx
+++ b/펫북 wbs.pptx
@@ -104,7 +104,577 @@
       </a:defRPr>
     </a:lvl9pPr>
   </p:defaultTextStyle>
+  <p:extLst>
+    <p:ext uri="{EFAFB233-063F-42B5-8137-9DF3F51BA10A}">
+      <p15:sldGuideLst xmlns:p15="http://schemas.microsoft.com/office/powerpoint/2012/main"/>
+    </p:ext>
+  </p:extLst>
 </p:presentation>
+</file>
+
+<file path=ppt/changesInfos/changesInfo1.xml><?xml version="1.0" encoding="utf-8"?>
+<pc:chgInfo xmlns:a="http://schemas.openxmlformats.org/drawingml/2006/main" xmlns:r="http://schemas.openxmlformats.org/officeDocument/2006/relationships" xmlns:ac="http://schemas.microsoft.com/office/drawing/2013/main/command" xmlns:pc="http://schemas.microsoft.com/office/powerpoint/2013/main/command">
+  <pc:docChgLst>
+    <pc:chgData name="성호 이" userId="a31ae9d3af45d762" providerId="LiveId" clId="{84B16963-BF0C-480C-9291-DC5A02631ED6}"/>
+    <pc:docChg chg="undo custSel modSld">
+      <pc:chgData name="성호 이" userId="a31ae9d3af45d762" providerId="LiveId" clId="{84B16963-BF0C-480C-9291-DC5A02631ED6}" dt="2024-08-10T12:55:03.220" v="153" actId="20577"/>
+      <pc:docMkLst>
+        <pc:docMk/>
+      </pc:docMkLst>
+      <pc:sldChg chg="addSp delSp modSp mod">
+        <pc:chgData name="성호 이" userId="a31ae9d3af45d762" providerId="LiveId" clId="{84B16963-BF0C-480C-9291-DC5A02631ED6}" dt="2024-08-10T12:55:03.220" v="153" actId="20577"/>
+        <pc:sldMkLst>
+          <pc:docMk/>
+          <pc:sldMk cId="1721521243" sldId="256"/>
+        </pc:sldMkLst>
+        <pc:spChg chg="mod">
+          <ac:chgData name="성호 이" userId="a31ae9d3af45d762" providerId="LiveId" clId="{84B16963-BF0C-480C-9291-DC5A02631ED6}" dt="2024-08-10T12:55:03.220" v="153" actId="20577"/>
+          <ac:spMkLst>
+            <pc:docMk/>
+            <pc:sldMk cId="1721521243" sldId="256"/>
+            <ac:spMk id="4" creationId="{AB09B80D-6CB5-8076-9752-0F220C65CE09}"/>
+          </ac:spMkLst>
+        </pc:spChg>
+        <pc:spChg chg="mod">
+          <ac:chgData name="성호 이" userId="a31ae9d3af45d762" providerId="LiveId" clId="{84B16963-BF0C-480C-9291-DC5A02631ED6}" dt="2024-08-10T12:53:39.835" v="152" actId="208"/>
+          <ac:spMkLst>
+            <pc:docMk/>
+            <pc:sldMk cId="1721521243" sldId="256"/>
+            <ac:spMk id="5" creationId="{6746BA56-A4B8-C876-5EFE-7D93644CFCB2}"/>
+          </ac:spMkLst>
+        </pc:spChg>
+        <pc:spChg chg="mod">
+          <ac:chgData name="성호 이" userId="a31ae9d3af45d762" providerId="LiveId" clId="{84B16963-BF0C-480C-9291-DC5A02631ED6}" dt="2024-08-10T12:53:39.835" v="152" actId="208"/>
+          <ac:spMkLst>
+            <pc:docMk/>
+            <pc:sldMk cId="1721521243" sldId="256"/>
+            <ac:spMk id="6" creationId="{89C4B0B5-C348-E180-A6D2-CBB4ED85AA62}"/>
+          </ac:spMkLst>
+        </pc:spChg>
+        <pc:spChg chg="mod">
+          <ac:chgData name="성호 이" userId="a31ae9d3af45d762" providerId="LiveId" clId="{84B16963-BF0C-480C-9291-DC5A02631ED6}" dt="2024-08-10T12:53:39.835" v="152" actId="208"/>
+          <ac:spMkLst>
+            <pc:docMk/>
+            <pc:sldMk cId="1721521243" sldId="256"/>
+            <ac:spMk id="9" creationId="{27BBFA31-CD6B-F1AC-81E8-B85DA8B8C8E8}"/>
+          </ac:spMkLst>
+        </pc:spChg>
+        <pc:spChg chg="mod">
+          <ac:chgData name="성호 이" userId="a31ae9d3af45d762" providerId="LiveId" clId="{84B16963-BF0C-480C-9291-DC5A02631ED6}" dt="2024-08-10T12:53:39.835" v="152" actId="208"/>
+          <ac:spMkLst>
+            <pc:docMk/>
+            <pc:sldMk cId="1721521243" sldId="256"/>
+            <ac:spMk id="11" creationId="{47DE5674-1DC8-1605-C48E-AABFC91C9007}"/>
+          </ac:spMkLst>
+        </pc:spChg>
+        <pc:spChg chg="mod">
+          <ac:chgData name="성호 이" userId="a31ae9d3af45d762" providerId="LiveId" clId="{84B16963-BF0C-480C-9291-DC5A02631ED6}" dt="2024-08-10T12:53:39.835" v="152" actId="208"/>
+          <ac:spMkLst>
+            <pc:docMk/>
+            <pc:sldMk cId="1721521243" sldId="256"/>
+            <ac:spMk id="12" creationId="{3698EC2F-0CDD-9F46-98F9-E9B24E29CC15}"/>
+          </ac:spMkLst>
+        </pc:spChg>
+        <pc:spChg chg="mod">
+          <ac:chgData name="성호 이" userId="a31ae9d3af45d762" providerId="LiveId" clId="{84B16963-BF0C-480C-9291-DC5A02631ED6}" dt="2024-08-10T12:53:39.835" v="152" actId="208"/>
+          <ac:spMkLst>
+            <pc:docMk/>
+            <pc:sldMk cId="1721521243" sldId="256"/>
+            <ac:spMk id="13" creationId="{3EC31F42-B61F-DD2C-41AE-A2EAC0C74D07}"/>
+          </ac:spMkLst>
+        </pc:spChg>
+        <pc:spChg chg="mod">
+          <ac:chgData name="성호 이" userId="a31ae9d3af45d762" providerId="LiveId" clId="{84B16963-BF0C-480C-9291-DC5A02631ED6}" dt="2024-08-10T12:53:39.835" v="152" actId="208"/>
+          <ac:spMkLst>
+            <pc:docMk/>
+            <pc:sldMk cId="1721521243" sldId="256"/>
+            <ac:spMk id="14" creationId="{CA813711-A5C1-CEBC-C00F-EAB9F57D0AE9}"/>
+          </ac:spMkLst>
+        </pc:spChg>
+        <pc:spChg chg="mod">
+          <ac:chgData name="성호 이" userId="a31ae9d3af45d762" providerId="LiveId" clId="{84B16963-BF0C-480C-9291-DC5A02631ED6}" dt="2024-08-10T12:53:39.835" v="152" actId="208"/>
+          <ac:spMkLst>
+            <pc:docMk/>
+            <pc:sldMk cId="1721521243" sldId="256"/>
+            <ac:spMk id="15" creationId="{B83C437C-61C7-31EE-589F-EE904803D15A}"/>
+          </ac:spMkLst>
+        </pc:spChg>
+        <pc:spChg chg="mod">
+          <ac:chgData name="성호 이" userId="a31ae9d3af45d762" providerId="LiveId" clId="{84B16963-BF0C-480C-9291-DC5A02631ED6}" dt="2024-08-10T12:53:39.835" v="152" actId="208"/>
+          <ac:spMkLst>
+            <pc:docMk/>
+            <pc:sldMk cId="1721521243" sldId="256"/>
+            <ac:spMk id="16" creationId="{8CB0B102-9066-E48B-AE0D-C07312456FC2}"/>
+          </ac:spMkLst>
+        </pc:spChg>
+        <pc:spChg chg="mod">
+          <ac:chgData name="성호 이" userId="a31ae9d3af45d762" providerId="LiveId" clId="{84B16963-BF0C-480C-9291-DC5A02631ED6}" dt="2024-08-10T12:53:39.835" v="152" actId="208"/>
+          <ac:spMkLst>
+            <pc:docMk/>
+            <pc:sldMk cId="1721521243" sldId="256"/>
+            <ac:spMk id="17" creationId="{9D39E621-86BF-0404-1A3F-AC31EC58E408}"/>
+          </ac:spMkLst>
+        </pc:spChg>
+        <pc:spChg chg="mod">
+          <ac:chgData name="성호 이" userId="a31ae9d3af45d762" providerId="LiveId" clId="{84B16963-BF0C-480C-9291-DC5A02631ED6}" dt="2024-08-10T12:53:39.835" v="152" actId="208"/>
+          <ac:spMkLst>
+            <pc:docMk/>
+            <pc:sldMk cId="1721521243" sldId="256"/>
+            <ac:spMk id="18" creationId="{70FAC60C-E78E-E315-0524-48021E10662B}"/>
+          </ac:spMkLst>
+        </pc:spChg>
+        <pc:spChg chg="mod">
+          <ac:chgData name="성호 이" userId="a31ae9d3af45d762" providerId="LiveId" clId="{84B16963-BF0C-480C-9291-DC5A02631ED6}" dt="2024-08-10T12:53:39.835" v="152" actId="208"/>
+          <ac:spMkLst>
+            <pc:docMk/>
+            <pc:sldMk cId="1721521243" sldId="256"/>
+            <ac:spMk id="19" creationId="{DAA882B5-FD41-B6B1-AB0A-FF257A805AE4}"/>
+          </ac:spMkLst>
+        </pc:spChg>
+        <pc:spChg chg="mod">
+          <ac:chgData name="성호 이" userId="a31ae9d3af45d762" providerId="LiveId" clId="{84B16963-BF0C-480C-9291-DC5A02631ED6}" dt="2024-08-10T12:53:39.835" v="152" actId="208"/>
+          <ac:spMkLst>
+            <pc:docMk/>
+            <pc:sldMk cId="1721521243" sldId="256"/>
+            <ac:spMk id="20" creationId="{7B64796D-5420-765C-F83A-AAB9CE4844F9}"/>
+          </ac:spMkLst>
+        </pc:spChg>
+        <pc:spChg chg="mod">
+          <ac:chgData name="성호 이" userId="a31ae9d3af45d762" providerId="LiveId" clId="{84B16963-BF0C-480C-9291-DC5A02631ED6}" dt="2024-08-10T12:53:39.835" v="152" actId="208"/>
+          <ac:spMkLst>
+            <pc:docMk/>
+            <pc:sldMk cId="1721521243" sldId="256"/>
+            <ac:spMk id="21" creationId="{3698AAA8-F7FE-B31F-95CC-78A38FDA9ECF}"/>
+          </ac:spMkLst>
+        </pc:spChg>
+        <pc:spChg chg="mod">
+          <ac:chgData name="성호 이" userId="a31ae9d3af45d762" providerId="LiveId" clId="{84B16963-BF0C-480C-9291-DC5A02631ED6}" dt="2024-08-10T12:53:39.835" v="152" actId="208"/>
+          <ac:spMkLst>
+            <pc:docMk/>
+            <pc:sldMk cId="1721521243" sldId="256"/>
+            <ac:spMk id="22" creationId="{75007D10-2CF5-44ED-D481-A91E6A73C28D}"/>
+          </ac:spMkLst>
+        </pc:spChg>
+        <pc:spChg chg="mod">
+          <ac:chgData name="성호 이" userId="a31ae9d3af45d762" providerId="LiveId" clId="{84B16963-BF0C-480C-9291-DC5A02631ED6}" dt="2024-08-10T12:53:39.835" v="152" actId="208"/>
+          <ac:spMkLst>
+            <pc:docMk/>
+            <pc:sldMk cId="1721521243" sldId="256"/>
+            <ac:spMk id="23" creationId="{A19361F1-672C-EC3C-7EE4-F62DF2226489}"/>
+          </ac:spMkLst>
+        </pc:spChg>
+        <pc:spChg chg="mod">
+          <ac:chgData name="성호 이" userId="a31ae9d3af45d762" providerId="LiveId" clId="{84B16963-BF0C-480C-9291-DC5A02631ED6}" dt="2024-08-10T12:53:39.835" v="152" actId="208"/>
+          <ac:spMkLst>
+            <pc:docMk/>
+            <pc:sldMk cId="1721521243" sldId="256"/>
+            <ac:spMk id="24" creationId="{7A2F4D60-97F3-D7BA-F52A-2C10CC07A7BB}"/>
+          </ac:spMkLst>
+        </pc:spChg>
+        <pc:spChg chg="mod">
+          <ac:chgData name="성호 이" userId="a31ae9d3af45d762" providerId="LiveId" clId="{84B16963-BF0C-480C-9291-DC5A02631ED6}" dt="2024-08-10T12:53:39.835" v="152" actId="208"/>
+          <ac:spMkLst>
+            <pc:docMk/>
+            <pc:sldMk cId="1721521243" sldId="256"/>
+            <ac:spMk id="25" creationId="{05B92DA8-138E-9C56-5641-C8B87E171224}"/>
+          </ac:spMkLst>
+        </pc:spChg>
+        <pc:spChg chg="mod">
+          <ac:chgData name="성호 이" userId="a31ae9d3af45d762" providerId="LiveId" clId="{84B16963-BF0C-480C-9291-DC5A02631ED6}" dt="2024-08-10T12:53:39.835" v="152" actId="208"/>
+          <ac:spMkLst>
+            <pc:docMk/>
+            <pc:sldMk cId="1721521243" sldId="256"/>
+            <ac:spMk id="27" creationId="{AB013DF8-BB3F-AB93-B5CC-201F508D6301}"/>
+          </ac:spMkLst>
+        </pc:spChg>
+        <pc:spChg chg="mod">
+          <ac:chgData name="성호 이" userId="a31ae9d3af45d762" providerId="LiveId" clId="{84B16963-BF0C-480C-9291-DC5A02631ED6}" dt="2024-08-10T12:53:39.835" v="152" actId="208"/>
+          <ac:spMkLst>
+            <pc:docMk/>
+            <pc:sldMk cId="1721521243" sldId="256"/>
+            <ac:spMk id="28" creationId="{848D8DBC-D2C4-E015-014E-F29E0EE43843}"/>
+          </ac:spMkLst>
+        </pc:spChg>
+        <pc:spChg chg="mod">
+          <ac:chgData name="성호 이" userId="a31ae9d3af45d762" providerId="LiveId" clId="{84B16963-BF0C-480C-9291-DC5A02631ED6}" dt="2024-08-10T12:53:39.835" v="152" actId="208"/>
+          <ac:spMkLst>
+            <pc:docMk/>
+            <pc:sldMk cId="1721521243" sldId="256"/>
+            <ac:spMk id="30" creationId="{74EBAE26-EAC4-25F8-0398-4FE34F087F71}"/>
+          </ac:spMkLst>
+        </pc:spChg>
+        <pc:spChg chg="mod">
+          <ac:chgData name="성호 이" userId="a31ae9d3af45d762" providerId="LiveId" clId="{84B16963-BF0C-480C-9291-DC5A02631ED6}" dt="2024-08-10T12:53:39.835" v="152" actId="208"/>
+          <ac:spMkLst>
+            <pc:docMk/>
+            <pc:sldMk cId="1721521243" sldId="256"/>
+            <ac:spMk id="31" creationId="{1F4BD488-0E77-ABC9-DA6A-2CBC6F486A4B}"/>
+          </ac:spMkLst>
+        </pc:spChg>
+        <pc:cxnChg chg="add mod">
+          <ac:chgData name="성호 이" userId="a31ae9d3af45d762" providerId="LiveId" clId="{84B16963-BF0C-480C-9291-DC5A02631ED6}" dt="2024-08-10T12:53:39.835" v="152" actId="208"/>
+          <ac:cxnSpMkLst>
+            <pc:docMk/>
+            <pc:sldMk cId="1721521243" sldId="256"/>
+            <ac:cxnSpMk id="3" creationId="{B7F4247C-C006-CB1F-215C-79912A650734}"/>
+          </ac:cxnSpMkLst>
+        </pc:cxnChg>
+        <pc:cxnChg chg="add del mod">
+          <ac:chgData name="성호 이" userId="a31ae9d3af45d762" providerId="LiveId" clId="{84B16963-BF0C-480C-9291-DC5A02631ED6}" dt="2024-08-10T12:48:31.295" v="69" actId="478"/>
+          <ac:cxnSpMkLst>
+            <pc:docMk/>
+            <pc:sldMk cId="1721521243" sldId="256"/>
+            <ac:cxnSpMk id="8" creationId="{53C547CF-89CC-E966-0A31-19882E9EF704}"/>
+          </ac:cxnSpMkLst>
+        </pc:cxnChg>
+        <pc:cxnChg chg="add mod">
+          <ac:chgData name="성호 이" userId="a31ae9d3af45d762" providerId="LiveId" clId="{84B16963-BF0C-480C-9291-DC5A02631ED6}" dt="2024-08-10T12:46:26.717" v="43"/>
+          <ac:cxnSpMkLst>
+            <pc:docMk/>
+            <pc:sldMk cId="1721521243" sldId="256"/>
+            <ac:cxnSpMk id="10" creationId="{FDBB5FA6-0075-4054-941D-CE507593B23A}"/>
+          </ac:cxnSpMkLst>
+        </pc:cxnChg>
+        <pc:cxnChg chg="add del mod">
+          <ac:chgData name="성호 이" userId="a31ae9d3af45d762" providerId="LiveId" clId="{84B16963-BF0C-480C-9291-DC5A02631ED6}" dt="2024-08-10T12:48:15.297" v="65" actId="478"/>
+          <ac:cxnSpMkLst>
+            <pc:docMk/>
+            <pc:sldMk cId="1721521243" sldId="256"/>
+            <ac:cxnSpMk id="26" creationId="{8A42D5DF-5390-C240-AED5-358B3ED8A592}"/>
+          </ac:cxnSpMkLst>
+        </pc:cxnChg>
+        <pc:cxnChg chg="add del mod">
+          <ac:chgData name="성호 이" userId="a31ae9d3af45d762" providerId="LiveId" clId="{84B16963-BF0C-480C-9291-DC5A02631ED6}" dt="2024-08-10T12:46:50.186" v="50" actId="11529"/>
+          <ac:cxnSpMkLst>
+            <pc:docMk/>
+            <pc:sldMk cId="1721521243" sldId="256"/>
+            <ac:cxnSpMk id="32" creationId="{C45D114E-0FDB-2146-3D26-1F731884C06D}"/>
+          </ac:cxnSpMkLst>
+        </pc:cxnChg>
+        <pc:cxnChg chg="add del mod">
+          <ac:chgData name="성호 이" userId="a31ae9d3af45d762" providerId="LiveId" clId="{84B16963-BF0C-480C-9291-DC5A02631ED6}" dt="2024-08-10T12:48:05.392" v="63" actId="478"/>
+          <ac:cxnSpMkLst>
+            <pc:docMk/>
+            <pc:sldMk cId="1721521243" sldId="256"/>
+            <ac:cxnSpMk id="34" creationId="{B9F02D49-DA5E-DAF8-29EF-9D146F6CF381}"/>
+          </ac:cxnSpMkLst>
+        </pc:cxnChg>
+        <pc:cxnChg chg="add mod">
+          <ac:chgData name="성호 이" userId="a31ae9d3af45d762" providerId="LiveId" clId="{84B16963-BF0C-480C-9291-DC5A02631ED6}" dt="2024-08-10T12:53:39.835" v="152" actId="208"/>
+          <ac:cxnSpMkLst>
+            <pc:docMk/>
+            <pc:sldMk cId="1721521243" sldId="256"/>
+            <ac:cxnSpMk id="37" creationId="{5F6ACC56-FAEA-42FC-4C06-336FCD2E41E8}"/>
+          </ac:cxnSpMkLst>
+        </pc:cxnChg>
+        <pc:cxnChg chg="add del mod">
+          <ac:chgData name="성호 이" userId="a31ae9d3af45d762" providerId="LiveId" clId="{84B16963-BF0C-480C-9291-DC5A02631ED6}" dt="2024-08-10T12:48:28.523" v="68" actId="478"/>
+          <ac:cxnSpMkLst>
+            <pc:docMk/>
+            <pc:sldMk cId="1721521243" sldId="256"/>
+            <ac:cxnSpMk id="41" creationId="{CECD77EE-626C-3EED-88D6-8598DA0073D2}"/>
+          </ac:cxnSpMkLst>
+        </pc:cxnChg>
+        <pc:cxnChg chg="add del mod">
+          <ac:chgData name="성호 이" userId="a31ae9d3af45d762" providerId="LiveId" clId="{84B16963-BF0C-480C-9291-DC5A02631ED6}" dt="2024-08-10T12:47:42.313" v="59" actId="478"/>
+          <ac:cxnSpMkLst>
+            <pc:docMk/>
+            <pc:sldMk cId="1721521243" sldId="256"/>
+            <ac:cxnSpMk id="43" creationId="{56ED73F0-6627-41EB-EDB7-D3FB283A96FC}"/>
+          </ac:cxnSpMkLst>
+        </pc:cxnChg>
+        <pc:cxnChg chg="add mod">
+          <ac:chgData name="성호 이" userId="a31ae9d3af45d762" providerId="LiveId" clId="{84B16963-BF0C-480C-9291-DC5A02631ED6}" dt="2024-08-10T12:53:39.835" v="152" actId="208"/>
+          <ac:cxnSpMkLst>
+            <pc:docMk/>
+            <pc:sldMk cId="1721521243" sldId="256"/>
+            <ac:cxnSpMk id="51" creationId="{D4CCF6CD-9BC1-3CAB-F15A-14EE0361ED11}"/>
+          </ac:cxnSpMkLst>
+        </pc:cxnChg>
+        <pc:cxnChg chg="add mod">
+          <ac:chgData name="성호 이" userId="a31ae9d3af45d762" providerId="LiveId" clId="{84B16963-BF0C-480C-9291-DC5A02631ED6}" dt="2024-08-10T12:53:39.835" v="152" actId="208"/>
+          <ac:cxnSpMkLst>
+            <pc:docMk/>
+            <pc:sldMk cId="1721521243" sldId="256"/>
+            <ac:cxnSpMk id="53" creationId="{A956624A-5372-BB6C-B265-0B471E2E7B59}"/>
+          </ac:cxnSpMkLst>
+        </pc:cxnChg>
+        <pc:cxnChg chg="add mod">
+          <ac:chgData name="성호 이" userId="a31ae9d3af45d762" providerId="LiveId" clId="{84B16963-BF0C-480C-9291-DC5A02631ED6}" dt="2024-08-10T12:53:39.835" v="152" actId="208"/>
+          <ac:cxnSpMkLst>
+            <pc:docMk/>
+            <pc:sldMk cId="1721521243" sldId="256"/>
+            <ac:cxnSpMk id="55" creationId="{9AFDC107-9446-7162-7FEB-41A406FB8CC2}"/>
+          </ac:cxnSpMkLst>
+        </pc:cxnChg>
+        <pc:cxnChg chg="add mod">
+          <ac:chgData name="성호 이" userId="a31ae9d3af45d762" providerId="LiveId" clId="{84B16963-BF0C-480C-9291-DC5A02631ED6}" dt="2024-08-10T12:53:39.835" v="152" actId="208"/>
+          <ac:cxnSpMkLst>
+            <pc:docMk/>
+            <pc:sldMk cId="1721521243" sldId="256"/>
+            <ac:cxnSpMk id="57" creationId="{9C50FC48-27C9-B2B2-B2F6-5A84276D1F5E}"/>
+          </ac:cxnSpMkLst>
+        </pc:cxnChg>
+        <pc:cxnChg chg="add mod">
+          <ac:chgData name="성호 이" userId="a31ae9d3af45d762" providerId="LiveId" clId="{84B16963-BF0C-480C-9291-DC5A02631ED6}" dt="2024-08-10T12:53:39.835" v="152" actId="208"/>
+          <ac:cxnSpMkLst>
+            <pc:docMk/>
+            <pc:sldMk cId="1721521243" sldId="256"/>
+            <ac:cxnSpMk id="59" creationId="{6C7C12B9-D31B-095C-CE30-6D48E293F98F}"/>
+          </ac:cxnSpMkLst>
+        </pc:cxnChg>
+        <pc:cxnChg chg="add mod">
+          <ac:chgData name="성호 이" userId="a31ae9d3af45d762" providerId="LiveId" clId="{84B16963-BF0C-480C-9291-DC5A02631ED6}" dt="2024-08-10T12:53:39.835" v="152" actId="208"/>
+          <ac:cxnSpMkLst>
+            <pc:docMk/>
+            <pc:sldMk cId="1721521243" sldId="256"/>
+            <ac:cxnSpMk id="61" creationId="{E9E0C35A-C775-959D-8E05-35B5CCB7940E}"/>
+          </ac:cxnSpMkLst>
+        </pc:cxnChg>
+        <pc:cxnChg chg="add mod">
+          <ac:chgData name="성호 이" userId="a31ae9d3af45d762" providerId="LiveId" clId="{84B16963-BF0C-480C-9291-DC5A02631ED6}" dt="2024-08-10T12:53:39.835" v="152" actId="208"/>
+          <ac:cxnSpMkLst>
+            <pc:docMk/>
+            <pc:sldMk cId="1721521243" sldId="256"/>
+            <ac:cxnSpMk id="63" creationId="{61E5FA22-296E-06BA-3E18-C9897D8ECE0B}"/>
+          </ac:cxnSpMkLst>
+        </pc:cxnChg>
+        <pc:cxnChg chg="add mod">
+          <ac:chgData name="성호 이" userId="a31ae9d3af45d762" providerId="LiveId" clId="{84B16963-BF0C-480C-9291-DC5A02631ED6}" dt="2024-08-10T12:53:39.835" v="152" actId="208"/>
+          <ac:cxnSpMkLst>
+            <pc:docMk/>
+            <pc:sldMk cId="1721521243" sldId="256"/>
+            <ac:cxnSpMk id="65" creationId="{12D3FFE5-CF37-2F9C-FB8F-31F84AD9493D}"/>
+          </ac:cxnSpMkLst>
+        </pc:cxnChg>
+        <pc:cxnChg chg="add mod">
+          <ac:chgData name="성호 이" userId="a31ae9d3af45d762" providerId="LiveId" clId="{84B16963-BF0C-480C-9291-DC5A02631ED6}" dt="2024-08-10T12:53:39.835" v="152" actId="208"/>
+          <ac:cxnSpMkLst>
+            <pc:docMk/>
+            <pc:sldMk cId="1721521243" sldId="256"/>
+            <ac:cxnSpMk id="67" creationId="{C666AF84-1BBB-0586-0F1B-F9263F1998E2}"/>
+          </ac:cxnSpMkLst>
+        </pc:cxnChg>
+        <pc:cxnChg chg="add del mod">
+          <ac:chgData name="성호 이" userId="a31ae9d3af45d762" providerId="LiveId" clId="{84B16963-BF0C-480C-9291-DC5A02631ED6}" dt="2024-08-10T12:49:51.925" v="83" actId="478"/>
+          <ac:cxnSpMkLst>
+            <pc:docMk/>
+            <pc:sldMk cId="1721521243" sldId="256"/>
+            <ac:cxnSpMk id="69" creationId="{D48CAFBC-D2BA-DFD5-38C3-C8DF2AF91347}"/>
+          </ac:cxnSpMkLst>
+        </pc:cxnChg>
+        <pc:cxnChg chg="add mod">
+          <ac:chgData name="성호 이" userId="a31ae9d3af45d762" providerId="LiveId" clId="{84B16963-BF0C-480C-9291-DC5A02631ED6}" dt="2024-08-10T12:53:39.835" v="152" actId="208"/>
+          <ac:cxnSpMkLst>
+            <pc:docMk/>
+            <pc:sldMk cId="1721521243" sldId="256"/>
+            <ac:cxnSpMk id="72" creationId="{6A74EF89-B52C-54F0-4ED4-19CB8DDE6608}"/>
+          </ac:cxnSpMkLst>
+        </pc:cxnChg>
+        <pc:cxnChg chg="add mod">
+          <ac:chgData name="성호 이" userId="a31ae9d3af45d762" providerId="LiveId" clId="{84B16963-BF0C-480C-9291-DC5A02631ED6}" dt="2024-08-10T12:53:39.835" v="152" actId="208"/>
+          <ac:cxnSpMkLst>
+            <pc:docMk/>
+            <pc:sldMk cId="1721521243" sldId="256"/>
+            <ac:cxnSpMk id="73" creationId="{97A5EF4E-DD2F-62E2-AA17-DBD60EFA3030}"/>
+          </ac:cxnSpMkLst>
+        </pc:cxnChg>
+        <pc:cxnChg chg="add mod">
+          <ac:chgData name="성호 이" userId="a31ae9d3af45d762" providerId="LiveId" clId="{84B16963-BF0C-480C-9291-DC5A02631ED6}" dt="2024-08-10T12:53:39.835" v="152" actId="208"/>
+          <ac:cxnSpMkLst>
+            <pc:docMk/>
+            <pc:sldMk cId="1721521243" sldId="256"/>
+            <ac:cxnSpMk id="74" creationId="{704F2F3D-66F5-B1AE-4DD5-B7586B2442C3}"/>
+          </ac:cxnSpMkLst>
+        </pc:cxnChg>
+        <pc:cxnChg chg="add mod">
+          <ac:chgData name="성호 이" userId="a31ae9d3af45d762" providerId="LiveId" clId="{84B16963-BF0C-480C-9291-DC5A02631ED6}" dt="2024-08-10T12:53:39.835" v="152" actId="208"/>
+          <ac:cxnSpMkLst>
+            <pc:docMk/>
+            <pc:sldMk cId="1721521243" sldId="256"/>
+            <ac:cxnSpMk id="75" creationId="{B1F7304D-C22E-A0DF-06B5-6E8EF8A36EA1}"/>
+          </ac:cxnSpMkLst>
+        </pc:cxnChg>
+        <pc:cxnChg chg="add mod">
+          <ac:chgData name="성호 이" userId="a31ae9d3af45d762" providerId="LiveId" clId="{84B16963-BF0C-480C-9291-DC5A02631ED6}" dt="2024-08-10T12:53:39.835" v="152" actId="208"/>
+          <ac:cxnSpMkLst>
+            <pc:docMk/>
+            <pc:sldMk cId="1721521243" sldId="256"/>
+            <ac:cxnSpMk id="76" creationId="{192D388F-F007-60EB-4D0E-7FDD5A66B682}"/>
+          </ac:cxnSpMkLst>
+        </pc:cxnChg>
+        <pc:cxnChg chg="add mod">
+          <ac:chgData name="성호 이" userId="a31ae9d3af45d762" providerId="LiveId" clId="{84B16963-BF0C-480C-9291-DC5A02631ED6}" dt="2024-08-10T12:53:39.835" v="152" actId="208"/>
+          <ac:cxnSpMkLst>
+            <pc:docMk/>
+            <pc:sldMk cId="1721521243" sldId="256"/>
+            <ac:cxnSpMk id="77" creationId="{7DA96840-0E9A-A2CF-807F-EECDAB40A79D}"/>
+          </ac:cxnSpMkLst>
+        </pc:cxnChg>
+        <pc:cxnChg chg="add mod">
+          <ac:chgData name="성호 이" userId="a31ae9d3af45d762" providerId="LiveId" clId="{84B16963-BF0C-480C-9291-DC5A02631ED6}" dt="2024-08-10T12:53:39.835" v="152" actId="208"/>
+          <ac:cxnSpMkLst>
+            <pc:docMk/>
+            <pc:sldMk cId="1721521243" sldId="256"/>
+            <ac:cxnSpMk id="79" creationId="{4FEC712E-AC96-FC72-F420-EBA32160BAE1}"/>
+          </ac:cxnSpMkLst>
+        </pc:cxnChg>
+        <pc:cxnChg chg="add mod">
+          <ac:chgData name="성호 이" userId="a31ae9d3af45d762" providerId="LiveId" clId="{84B16963-BF0C-480C-9291-DC5A02631ED6}" dt="2024-08-10T12:53:39.835" v="152" actId="208"/>
+          <ac:cxnSpMkLst>
+            <pc:docMk/>
+            <pc:sldMk cId="1721521243" sldId="256"/>
+            <ac:cxnSpMk id="83" creationId="{D8B8C917-500C-8F81-9A45-15BA08D7448D}"/>
+          </ac:cxnSpMkLst>
+        </pc:cxnChg>
+        <pc:cxnChg chg="add mod">
+          <ac:chgData name="성호 이" userId="a31ae9d3af45d762" providerId="LiveId" clId="{84B16963-BF0C-480C-9291-DC5A02631ED6}" dt="2024-08-10T12:53:39.835" v="152" actId="208"/>
+          <ac:cxnSpMkLst>
+            <pc:docMk/>
+            <pc:sldMk cId="1721521243" sldId="256"/>
+            <ac:cxnSpMk id="84" creationId="{DC2C0DA1-1422-B53D-72FC-59036A39F1D0}"/>
+          </ac:cxnSpMkLst>
+        </pc:cxnChg>
+        <pc:cxnChg chg="add mod">
+          <ac:chgData name="성호 이" userId="a31ae9d3af45d762" providerId="LiveId" clId="{84B16963-BF0C-480C-9291-DC5A02631ED6}" dt="2024-08-10T12:53:39.835" v="152" actId="208"/>
+          <ac:cxnSpMkLst>
+            <pc:docMk/>
+            <pc:sldMk cId="1721521243" sldId="256"/>
+            <ac:cxnSpMk id="85" creationId="{50DACBC1-24E4-B5E6-3130-51980ED3CE89}"/>
+          </ac:cxnSpMkLst>
+        </pc:cxnChg>
+        <pc:cxnChg chg="add mod">
+          <ac:chgData name="성호 이" userId="a31ae9d3af45d762" providerId="LiveId" clId="{84B16963-BF0C-480C-9291-DC5A02631ED6}" dt="2024-08-10T12:53:39.835" v="152" actId="208"/>
+          <ac:cxnSpMkLst>
+            <pc:docMk/>
+            <pc:sldMk cId="1721521243" sldId="256"/>
+            <ac:cxnSpMk id="87" creationId="{CBA1D433-EBCA-D54F-3A5F-BA2A9188A973}"/>
+          </ac:cxnSpMkLst>
+        </pc:cxnChg>
+        <pc:cxnChg chg="add mod">
+          <ac:chgData name="성호 이" userId="a31ae9d3af45d762" providerId="LiveId" clId="{84B16963-BF0C-480C-9291-DC5A02631ED6}" dt="2024-08-10T12:53:39.835" v="152" actId="208"/>
+          <ac:cxnSpMkLst>
+            <pc:docMk/>
+            <pc:sldMk cId="1721521243" sldId="256"/>
+            <ac:cxnSpMk id="89" creationId="{7178D5CB-05D5-A74D-2776-F5FF09C1CE1B}"/>
+          </ac:cxnSpMkLst>
+        </pc:cxnChg>
+        <pc:cxnChg chg="add mod">
+          <ac:chgData name="성호 이" userId="a31ae9d3af45d762" providerId="LiveId" clId="{84B16963-BF0C-480C-9291-DC5A02631ED6}" dt="2024-08-10T12:53:39.835" v="152" actId="208"/>
+          <ac:cxnSpMkLst>
+            <pc:docMk/>
+            <pc:sldMk cId="1721521243" sldId="256"/>
+            <ac:cxnSpMk id="90" creationId="{CC8F64D4-69FD-E3F8-57D2-769798CCE7D4}"/>
+          </ac:cxnSpMkLst>
+        </pc:cxnChg>
+        <pc:cxnChg chg="add mod">
+          <ac:chgData name="성호 이" userId="a31ae9d3af45d762" providerId="LiveId" clId="{84B16963-BF0C-480C-9291-DC5A02631ED6}" dt="2024-08-10T12:53:39.835" v="152" actId="208"/>
+          <ac:cxnSpMkLst>
+            <pc:docMk/>
+            <pc:sldMk cId="1721521243" sldId="256"/>
+            <ac:cxnSpMk id="91" creationId="{F89E3DBE-20D4-AA7C-2327-1DA67226F24A}"/>
+          </ac:cxnSpMkLst>
+        </pc:cxnChg>
+        <pc:cxnChg chg="add mod">
+          <ac:chgData name="성호 이" userId="a31ae9d3af45d762" providerId="LiveId" clId="{84B16963-BF0C-480C-9291-DC5A02631ED6}" dt="2024-08-10T12:53:39.835" v="152" actId="208"/>
+          <ac:cxnSpMkLst>
+            <pc:docMk/>
+            <pc:sldMk cId="1721521243" sldId="256"/>
+            <ac:cxnSpMk id="92" creationId="{88ECD0D0-D092-581A-AFFB-19ABD87CE6B0}"/>
+          </ac:cxnSpMkLst>
+        </pc:cxnChg>
+        <pc:cxnChg chg="add mod">
+          <ac:chgData name="성호 이" userId="a31ae9d3af45d762" providerId="LiveId" clId="{84B16963-BF0C-480C-9291-DC5A02631ED6}" dt="2024-08-10T12:53:39.835" v="152" actId="208"/>
+          <ac:cxnSpMkLst>
+            <pc:docMk/>
+            <pc:sldMk cId="1721521243" sldId="256"/>
+            <ac:cxnSpMk id="94" creationId="{C0CD3B06-7C37-5350-4CA2-045405E6214D}"/>
+          </ac:cxnSpMkLst>
+        </pc:cxnChg>
+        <pc:cxnChg chg="add mod">
+          <ac:chgData name="성호 이" userId="a31ae9d3af45d762" providerId="LiveId" clId="{84B16963-BF0C-480C-9291-DC5A02631ED6}" dt="2024-08-10T12:53:39.835" v="152" actId="208"/>
+          <ac:cxnSpMkLst>
+            <pc:docMk/>
+            <pc:sldMk cId="1721521243" sldId="256"/>
+            <ac:cxnSpMk id="97" creationId="{171472E8-2391-0C01-A563-171EEA43A95F}"/>
+          </ac:cxnSpMkLst>
+        </pc:cxnChg>
+        <pc:cxnChg chg="add mod">
+          <ac:chgData name="성호 이" userId="a31ae9d3af45d762" providerId="LiveId" clId="{84B16963-BF0C-480C-9291-DC5A02631ED6}" dt="2024-08-10T12:53:39.835" v="152" actId="208"/>
+          <ac:cxnSpMkLst>
+            <pc:docMk/>
+            <pc:sldMk cId="1721521243" sldId="256"/>
+            <ac:cxnSpMk id="98" creationId="{847586BF-4BFD-CB8F-E969-61E3D53E3681}"/>
+          </ac:cxnSpMkLst>
+        </pc:cxnChg>
+        <pc:cxnChg chg="add mod">
+          <ac:chgData name="성호 이" userId="a31ae9d3af45d762" providerId="LiveId" clId="{84B16963-BF0C-480C-9291-DC5A02631ED6}" dt="2024-08-10T12:53:39.835" v="152" actId="208"/>
+          <ac:cxnSpMkLst>
+            <pc:docMk/>
+            <pc:sldMk cId="1721521243" sldId="256"/>
+            <ac:cxnSpMk id="109" creationId="{D31DC4FB-4F5A-9070-8086-9A5C42B73C0F}"/>
+          </ac:cxnSpMkLst>
+        </pc:cxnChg>
+        <pc:cxnChg chg="add mod">
+          <ac:chgData name="성호 이" userId="a31ae9d3af45d762" providerId="LiveId" clId="{84B16963-BF0C-480C-9291-DC5A02631ED6}" dt="2024-08-10T12:52:20.551" v="133"/>
+          <ac:cxnSpMkLst>
+            <pc:docMk/>
+            <pc:sldMk cId="1721521243" sldId="256"/>
+            <ac:cxnSpMk id="110" creationId="{C9D2D06E-EEF1-01F2-E3A6-E0621BCEF326}"/>
+          </ac:cxnSpMkLst>
+        </pc:cxnChg>
+        <pc:cxnChg chg="add del mod">
+          <ac:chgData name="성호 이" userId="a31ae9d3af45d762" providerId="LiveId" clId="{84B16963-BF0C-480C-9291-DC5A02631ED6}" dt="2024-08-10T12:52:38.357" v="139" actId="11529"/>
+          <ac:cxnSpMkLst>
+            <pc:docMk/>
+            <pc:sldMk cId="1721521243" sldId="256"/>
+            <ac:cxnSpMk id="112" creationId="{BF1FFB89-C6F0-DFC6-F023-D4308CCBA048}"/>
+          </ac:cxnSpMkLst>
+        </pc:cxnChg>
+        <pc:cxnChg chg="add mod">
+          <ac:chgData name="성호 이" userId="a31ae9d3af45d762" providerId="LiveId" clId="{84B16963-BF0C-480C-9291-DC5A02631ED6}" dt="2024-08-10T12:53:39.835" v="152" actId="208"/>
+          <ac:cxnSpMkLst>
+            <pc:docMk/>
+            <pc:sldMk cId="1721521243" sldId="256"/>
+            <ac:cxnSpMk id="114" creationId="{2D33A9DF-2BC3-0435-549B-AC6CDC1614F8}"/>
+          </ac:cxnSpMkLst>
+        </pc:cxnChg>
+        <pc:cxnChg chg="add mod">
+          <ac:chgData name="성호 이" userId="a31ae9d3af45d762" providerId="LiveId" clId="{84B16963-BF0C-480C-9291-DC5A02631ED6}" dt="2024-08-10T12:52:58.848" v="145" actId="1076"/>
+          <ac:cxnSpMkLst>
+            <pc:docMk/>
+            <pc:sldMk cId="1721521243" sldId="256"/>
+            <ac:cxnSpMk id="115" creationId="{3B536937-00D5-B6F4-2396-ECFAEFF5B88D}"/>
+          </ac:cxnSpMkLst>
+        </pc:cxnChg>
+        <pc:cxnChg chg="add mod">
+          <ac:chgData name="성호 이" userId="a31ae9d3af45d762" providerId="LiveId" clId="{84B16963-BF0C-480C-9291-DC5A02631ED6}" dt="2024-08-10T12:53:39.835" v="152" actId="208"/>
+          <ac:cxnSpMkLst>
+            <pc:docMk/>
+            <pc:sldMk cId="1721521243" sldId="256"/>
+            <ac:cxnSpMk id="116" creationId="{2EB8D5A4-32C8-A183-B2CB-E37B3100EF04}"/>
+          </ac:cxnSpMkLst>
+        </pc:cxnChg>
+        <pc:cxnChg chg="add del mod">
+          <ac:chgData name="성호 이" userId="a31ae9d3af45d762" providerId="LiveId" clId="{84B16963-BF0C-480C-9291-DC5A02631ED6}" dt="2024-08-10T12:53:22.425" v="150" actId="478"/>
+          <ac:cxnSpMkLst>
+            <pc:docMk/>
+            <pc:sldMk cId="1721521243" sldId="256"/>
+            <ac:cxnSpMk id="117" creationId="{592C1B06-820A-9F09-BBC4-C7271971EC70}"/>
+          </ac:cxnSpMkLst>
+        </pc:cxnChg>
+        <pc:cxnChg chg="add mod">
+          <ac:chgData name="성호 이" userId="a31ae9d3af45d762" providerId="LiveId" clId="{84B16963-BF0C-480C-9291-DC5A02631ED6}" dt="2024-08-10T12:53:39.835" v="152" actId="208"/>
+          <ac:cxnSpMkLst>
+            <pc:docMk/>
+            <pc:sldMk cId="1721521243" sldId="256"/>
+            <ac:cxnSpMk id="119" creationId="{033AFC1E-3139-E53A-85B1-B60578E13957}"/>
+          </ac:cxnSpMkLst>
+        </pc:cxnChg>
+      </pc:sldChg>
+    </pc:docChg>
+  </pc:docChgLst>
+</pc:chgInfo>
 </file>
 
 <file path=ppt/slideLayouts/slideLayout1.xml><?xml version="1.0" encoding="utf-8"?>
@@ -254,7 +824,7 @@
           <a:p>
             <a:fld id="{49E986ED-36A9-4B7C-969F-333000731B18}" type="datetimeFigureOut">
               <a:rPr lang="ko-KR" altLang="en-US" smtClean="0"/>
-              <a:t>2024-08-06</a:t>
+              <a:t>2024-08-10</a:t>
             </a:fld>
             <a:endParaRPr lang="ko-KR" altLang="en-US"/>
           </a:p>
@@ -452,7 +1022,7 @@
           <a:p>
             <a:fld id="{49E986ED-36A9-4B7C-969F-333000731B18}" type="datetimeFigureOut">
               <a:rPr lang="ko-KR" altLang="en-US" smtClean="0"/>
-              <a:t>2024-08-06</a:t>
+              <a:t>2024-08-10</a:t>
             </a:fld>
             <a:endParaRPr lang="ko-KR" altLang="en-US"/>
           </a:p>
@@ -660,7 +1230,7 @@
           <a:p>
             <a:fld id="{49E986ED-36A9-4B7C-969F-333000731B18}" type="datetimeFigureOut">
               <a:rPr lang="ko-KR" altLang="en-US" smtClean="0"/>
-              <a:t>2024-08-06</a:t>
+              <a:t>2024-08-10</a:t>
             </a:fld>
             <a:endParaRPr lang="ko-KR" altLang="en-US"/>
           </a:p>
@@ -858,7 +1428,7 @@
           <a:p>
             <a:fld id="{49E986ED-36A9-4B7C-969F-333000731B18}" type="datetimeFigureOut">
               <a:rPr lang="ko-KR" altLang="en-US" smtClean="0"/>
-              <a:t>2024-08-06</a:t>
+              <a:t>2024-08-10</a:t>
             </a:fld>
             <a:endParaRPr lang="ko-KR" altLang="en-US"/>
           </a:p>
@@ -1133,7 +1703,7 @@
           <a:p>
             <a:fld id="{49E986ED-36A9-4B7C-969F-333000731B18}" type="datetimeFigureOut">
               <a:rPr lang="ko-KR" altLang="en-US" smtClean="0"/>
-              <a:t>2024-08-06</a:t>
+              <a:t>2024-08-10</a:t>
             </a:fld>
             <a:endParaRPr lang="ko-KR" altLang="en-US"/>
           </a:p>
@@ -1398,7 +1968,7 @@
           <a:p>
             <a:fld id="{49E986ED-36A9-4B7C-969F-333000731B18}" type="datetimeFigureOut">
               <a:rPr lang="ko-KR" altLang="en-US" smtClean="0"/>
-              <a:t>2024-08-06</a:t>
+              <a:t>2024-08-10</a:t>
             </a:fld>
             <a:endParaRPr lang="ko-KR" altLang="en-US"/>
           </a:p>
@@ -1810,7 +2380,7 @@
           <a:p>
             <a:fld id="{49E986ED-36A9-4B7C-969F-333000731B18}" type="datetimeFigureOut">
               <a:rPr lang="ko-KR" altLang="en-US" smtClean="0"/>
-              <a:t>2024-08-06</a:t>
+              <a:t>2024-08-10</a:t>
             </a:fld>
             <a:endParaRPr lang="ko-KR" altLang="en-US"/>
           </a:p>
@@ -1951,7 +2521,7 @@
           <a:p>
             <a:fld id="{49E986ED-36A9-4B7C-969F-333000731B18}" type="datetimeFigureOut">
               <a:rPr lang="ko-KR" altLang="en-US" smtClean="0"/>
-              <a:t>2024-08-06</a:t>
+              <a:t>2024-08-10</a:t>
             </a:fld>
             <a:endParaRPr lang="ko-KR" altLang="en-US"/>
           </a:p>
@@ -2064,7 +2634,7 @@
           <a:p>
             <a:fld id="{49E986ED-36A9-4B7C-969F-333000731B18}" type="datetimeFigureOut">
               <a:rPr lang="ko-KR" altLang="en-US" smtClean="0"/>
-              <a:t>2024-08-06</a:t>
+              <a:t>2024-08-10</a:t>
             </a:fld>
             <a:endParaRPr lang="ko-KR" altLang="en-US"/>
           </a:p>
@@ -2375,7 +2945,7 @@
           <a:p>
             <a:fld id="{49E986ED-36A9-4B7C-969F-333000731B18}" type="datetimeFigureOut">
               <a:rPr lang="ko-KR" altLang="en-US" smtClean="0"/>
-              <a:t>2024-08-06</a:t>
+              <a:t>2024-08-10</a:t>
             </a:fld>
             <a:endParaRPr lang="ko-KR" altLang="en-US"/>
           </a:p>
@@ -2663,7 +3233,7 @@
           <a:p>
             <a:fld id="{49E986ED-36A9-4B7C-969F-333000731B18}" type="datetimeFigureOut">
               <a:rPr lang="ko-KR" altLang="en-US" smtClean="0"/>
-              <a:t>2024-08-06</a:t>
+              <a:t>2024-08-10</a:t>
             </a:fld>
             <a:endParaRPr lang="ko-KR" altLang="en-US"/>
           </a:p>
@@ -2904,7 +3474,7 @@
           <a:p>
             <a:fld id="{49E986ED-36A9-4B7C-969F-333000731B18}" type="datetimeFigureOut">
               <a:rPr lang="ko-KR" altLang="en-US" smtClean="0"/>
-              <a:t>2024-08-06</a:t>
+              <a:t>2024-08-10</a:t>
             </a:fld>
             <a:endParaRPr lang="ko-KR" altLang="en-US"/>
           </a:p>
@@ -3335,7 +3905,7 @@
         </p:nvSpPr>
         <p:spPr>
           <a:xfrm>
-            <a:off x="4544958" y="180252"/>
+            <a:off x="4664697" y="224303"/>
             <a:ext cx="2511624" cy="540185"/>
           </a:xfrm>
           <a:prstGeom prst="roundRect">
@@ -3344,6 +3914,14 @@
           <a:solidFill>
             <a:schemeClr val="bg1"/>
           </a:solidFill>
+          <a:ln>
+            <a:solidFill>
+              <a:schemeClr val="accent2">
+                <a:lumMod val="60000"/>
+                <a:lumOff val="40000"/>
+              </a:schemeClr>
+            </a:solidFill>
+          </a:ln>
         </p:spPr>
         <p:style>
           <a:lnRef idx="2">
@@ -3367,18 +3945,13 @@
           <a:p>
             <a:pPr algn="ctr"/>
             <a:r>
-              <a:rPr lang="ko-KR" altLang="en-US" dirty="0" err="1">
+              <a:rPr lang="ko-KR" altLang="en-US" dirty="0">
                 <a:solidFill>
                   <a:sysClr val="windowText" lastClr="000000"/>
                 </a:solidFill>
               </a:rPr>
-              <a:t>펫북</a:t>
-            </a:r>
-            <a:endParaRPr lang="ko-KR" altLang="en-US" dirty="0">
-              <a:solidFill>
-                <a:sysClr val="windowText" lastClr="000000"/>
-              </a:solidFill>
-            </a:endParaRPr>
+              <a:t>펫 북</a:t>
+            </a:r>
           </a:p>
         </p:txBody>
       </p:sp>
@@ -3396,7 +3969,7 @@
         </p:nvSpPr>
         <p:spPr>
           <a:xfrm>
-            <a:off x="928921" y="1154689"/>
+            <a:off x="928921" y="1154687"/>
             <a:ext cx="1426352" cy="507748"/>
           </a:xfrm>
           <a:prstGeom prst="roundRect">
@@ -3405,6 +3978,14 @@
           <a:solidFill>
             <a:schemeClr val="bg1"/>
           </a:solidFill>
+          <a:ln>
+            <a:solidFill>
+              <a:schemeClr val="accent2">
+                <a:lumMod val="60000"/>
+                <a:lumOff val="40000"/>
+              </a:schemeClr>
+            </a:solidFill>
+          </a:ln>
         </p:spPr>
         <p:style>
           <a:lnRef idx="2">
@@ -3452,7 +4033,7 @@
         </p:nvSpPr>
         <p:spPr>
           <a:xfrm>
-            <a:off x="2626769" y="1815088"/>
+            <a:off x="3068127" y="1806350"/>
             <a:ext cx="1426352" cy="507748"/>
           </a:xfrm>
           <a:prstGeom prst="roundRect">
@@ -3461,6 +4042,14 @@
           <a:solidFill>
             <a:schemeClr val="bg1"/>
           </a:solidFill>
+          <a:ln>
+            <a:solidFill>
+              <a:schemeClr val="accent2">
+                <a:lumMod val="60000"/>
+                <a:lumOff val="40000"/>
+              </a:schemeClr>
+            </a:solidFill>
+          </a:ln>
         </p:spPr>
         <p:style>
           <a:lnRef idx="2">
@@ -3508,7 +4097,7 @@
         </p:nvSpPr>
         <p:spPr>
           <a:xfrm>
-            <a:off x="6906824" y="1154687"/>
+            <a:off x="7346539" y="1154687"/>
             <a:ext cx="1426352" cy="507748"/>
           </a:xfrm>
           <a:prstGeom prst="roundRect">
@@ -3517,6 +4106,14 @@
           <a:solidFill>
             <a:schemeClr val="bg1"/>
           </a:solidFill>
+          <a:ln>
+            <a:solidFill>
+              <a:schemeClr val="accent2">
+                <a:lumMod val="60000"/>
+                <a:lumOff val="40000"/>
+              </a:schemeClr>
+            </a:solidFill>
+          </a:ln>
         </p:spPr>
         <p:style>
           <a:lnRef idx="2">
@@ -3564,7 +4161,7 @@
         </p:nvSpPr>
         <p:spPr>
           <a:xfrm>
-            <a:off x="9485745" y="1237817"/>
+            <a:off x="9485745" y="1154687"/>
             <a:ext cx="1426352" cy="507748"/>
           </a:xfrm>
           <a:prstGeom prst="roundRect">
@@ -3573,6 +4170,14 @@
           <a:solidFill>
             <a:schemeClr val="bg1"/>
           </a:solidFill>
+          <a:ln>
+            <a:solidFill>
+              <a:schemeClr val="accent2">
+                <a:lumMod val="60000"/>
+                <a:lumOff val="40000"/>
+              </a:schemeClr>
+            </a:solidFill>
+          </a:ln>
         </p:spPr>
         <p:style>
           <a:lnRef idx="2">
@@ -3625,7 +4230,7 @@
         </p:nvSpPr>
         <p:spPr>
           <a:xfrm>
-            <a:off x="2626769" y="1154688"/>
+            <a:off x="3068127" y="1154688"/>
             <a:ext cx="1426352" cy="507748"/>
           </a:xfrm>
           <a:prstGeom prst="roundRect">
@@ -3634,6 +4239,14 @@
           <a:solidFill>
             <a:schemeClr val="bg1"/>
           </a:solidFill>
+          <a:ln>
+            <a:solidFill>
+              <a:schemeClr val="accent2">
+                <a:lumMod val="60000"/>
+                <a:lumOff val="40000"/>
+              </a:schemeClr>
+            </a:solidFill>
+          </a:ln>
         </p:spPr>
         <p:style>
           <a:lnRef idx="2">
@@ -3681,7 +4294,7 @@
         </p:nvSpPr>
         <p:spPr>
           <a:xfrm>
-            <a:off x="4580261" y="1154687"/>
+            <a:off x="5207333" y="1154687"/>
             <a:ext cx="1426352" cy="507748"/>
           </a:xfrm>
           <a:prstGeom prst="roundRect">
@@ -3690,6 +4303,14 @@
           <a:solidFill>
             <a:schemeClr val="bg1"/>
           </a:solidFill>
+          <a:ln>
+            <a:solidFill>
+              <a:schemeClr val="accent2">
+                <a:lumMod val="60000"/>
+                <a:lumOff val="40000"/>
+              </a:schemeClr>
+            </a:solidFill>
+          </a:ln>
         </p:spPr>
         <p:style>
           <a:lnRef idx="2">
@@ -3737,7 +4358,7 @@
         </p:nvSpPr>
         <p:spPr>
           <a:xfrm>
-            <a:off x="2626769" y="2549488"/>
+            <a:off x="3068127" y="2458012"/>
             <a:ext cx="1426352" cy="507748"/>
           </a:xfrm>
           <a:prstGeom prst="roundRect">
@@ -3746,6 +4367,14 @@
           <a:solidFill>
             <a:schemeClr val="bg1"/>
           </a:solidFill>
+          <a:ln>
+            <a:solidFill>
+              <a:schemeClr val="accent2">
+                <a:lumMod val="60000"/>
+                <a:lumOff val="40000"/>
+              </a:schemeClr>
+            </a:solidFill>
+          </a:ln>
         </p:spPr>
         <p:style>
           <a:lnRef idx="2">
@@ -3793,7 +4422,7 @@
         </p:nvSpPr>
         <p:spPr>
           <a:xfrm>
-            <a:off x="2626769" y="3283761"/>
+            <a:off x="3068127" y="3109674"/>
             <a:ext cx="1426352" cy="507748"/>
           </a:xfrm>
           <a:prstGeom prst="roundRect">
@@ -3802,6 +4431,14 @@
           <a:solidFill>
             <a:schemeClr val="bg1"/>
           </a:solidFill>
+          <a:ln>
+            <a:solidFill>
+              <a:schemeClr val="accent2">
+                <a:lumMod val="60000"/>
+                <a:lumOff val="40000"/>
+              </a:schemeClr>
+            </a:solidFill>
+          </a:ln>
         </p:spPr>
         <p:style>
           <a:lnRef idx="2">
@@ -3849,7 +4486,7 @@
         </p:nvSpPr>
         <p:spPr>
           <a:xfrm>
-            <a:off x="2626769" y="4018034"/>
+            <a:off x="3068127" y="3761336"/>
             <a:ext cx="1426352" cy="507748"/>
           </a:xfrm>
           <a:prstGeom prst="roundRect">
@@ -3858,6 +4495,14 @@
           <a:solidFill>
             <a:schemeClr val="bg1"/>
           </a:solidFill>
+          <a:ln>
+            <a:solidFill>
+              <a:schemeClr val="accent2">
+                <a:lumMod val="60000"/>
+                <a:lumOff val="40000"/>
+              </a:schemeClr>
+            </a:solidFill>
+          </a:ln>
         </p:spPr>
         <p:style>
           <a:lnRef idx="2">
@@ -3905,7 +4550,7 @@
         </p:nvSpPr>
         <p:spPr>
           <a:xfrm>
-            <a:off x="2626769" y="4738256"/>
+            <a:off x="3068127" y="4412998"/>
             <a:ext cx="1426352" cy="507748"/>
           </a:xfrm>
           <a:prstGeom prst="roundRect">
@@ -3914,6 +4559,14 @@
           <a:solidFill>
             <a:schemeClr val="bg1"/>
           </a:solidFill>
+          <a:ln>
+            <a:solidFill>
+              <a:schemeClr val="accent2">
+                <a:lumMod val="60000"/>
+                <a:lumOff val="40000"/>
+              </a:schemeClr>
+            </a:solidFill>
+          </a:ln>
         </p:spPr>
         <p:style>
           <a:lnRef idx="2">
@@ -3966,7 +4619,7 @@
         </p:nvSpPr>
         <p:spPr>
           <a:xfrm>
-            <a:off x="2626769" y="5398655"/>
+            <a:off x="3068127" y="5064662"/>
             <a:ext cx="1426352" cy="507748"/>
           </a:xfrm>
           <a:prstGeom prst="roundRect">
@@ -3975,6 +4628,14 @@
           <a:solidFill>
             <a:schemeClr val="bg1"/>
           </a:solidFill>
+          <a:ln>
+            <a:solidFill>
+              <a:schemeClr val="accent2">
+                <a:lumMod val="60000"/>
+                <a:lumOff val="40000"/>
+              </a:schemeClr>
+            </a:solidFill>
+          </a:ln>
         </p:spPr>
         <p:style>
           <a:lnRef idx="2">
@@ -4036,6 +4697,14 @@
           <a:solidFill>
             <a:schemeClr val="bg1"/>
           </a:solidFill>
+          <a:ln>
+            <a:solidFill>
+              <a:schemeClr val="accent2">
+                <a:lumMod val="60000"/>
+                <a:lumOff val="40000"/>
+              </a:schemeClr>
+            </a:solidFill>
+          </a:ln>
         </p:spPr>
         <p:style>
           <a:lnRef idx="2">
@@ -4123,7 +4792,7 @@
         </p:nvSpPr>
         <p:spPr>
           <a:xfrm>
-            <a:off x="928921" y="2549488"/>
+            <a:off x="928921" y="2475489"/>
             <a:ext cx="1426352" cy="507748"/>
           </a:xfrm>
           <a:prstGeom prst="roundRect">
@@ -4132,6 +4801,14 @@
           <a:solidFill>
             <a:schemeClr val="bg1"/>
           </a:solidFill>
+          <a:ln>
+            <a:solidFill>
+              <a:schemeClr val="accent2">
+                <a:lumMod val="60000"/>
+                <a:lumOff val="40000"/>
+              </a:schemeClr>
+            </a:solidFill>
+          </a:ln>
         </p:spPr>
         <p:style>
           <a:lnRef idx="2">
@@ -4179,7 +4856,7 @@
         </p:nvSpPr>
         <p:spPr>
           <a:xfrm>
-            <a:off x="4580261" y="1875068"/>
+            <a:off x="5207333" y="1795543"/>
             <a:ext cx="1426352" cy="507748"/>
           </a:xfrm>
           <a:prstGeom prst="roundRect">
@@ -4188,6 +4865,14 @@
           <a:solidFill>
             <a:schemeClr val="bg1"/>
           </a:solidFill>
+          <a:ln>
+            <a:solidFill>
+              <a:schemeClr val="accent2">
+                <a:lumMod val="60000"/>
+                <a:lumOff val="40000"/>
+              </a:schemeClr>
+            </a:solidFill>
+          </a:ln>
         </p:spPr>
         <p:style>
           <a:lnRef idx="2">
@@ -4211,18 +4896,13 @@
           <a:p>
             <a:pPr algn="ctr"/>
             <a:r>
-              <a:rPr lang="ko-KR" altLang="en-US" sz="1200" b="1">
+              <a:rPr lang="ko-KR" altLang="en-US" sz="1200" b="1" dirty="0">
                 <a:solidFill>
                   <a:sysClr val="windowText" lastClr="000000"/>
                 </a:solidFill>
               </a:rPr>
               <a:t>시스템 구조와 데이터 규명</a:t>
             </a:r>
-            <a:endParaRPr lang="ko-KR" altLang="en-US" sz="1200" b="1" dirty="0">
-              <a:solidFill>
-                <a:sysClr val="windowText" lastClr="000000"/>
-              </a:solidFill>
-            </a:endParaRPr>
           </a:p>
         </p:txBody>
       </p:sp>
@@ -4240,7 +4920,7 @@
         </p:nvSpPr>
         <p:spPr>
           <a:xfrm>
-            <a:off x="4580261" y="2595449"/>
+            <a:off x="5207333" y="2436399"/>
             <a:ext cx="1426352" cy="507748"/>
           </a:xfrm>
           <a:prstGeom prst="roundRect">
@@ -4249,6 +4929,14 @@
           <a:solidFill>
             <a:schemeClr val="bg1"/>
           </a:solidFill>
+          <a:ln>
+            <a:solidFill>
+              <a:schemeClr val="accent2">
+                <a:lumMod val="60000"/>
+                <a:lumOff val="40000"/>
+              </a:schemeClr>
+            </a:solidFill>
+          </a:ln>
         </p:spPr>
         <p:style>
           <a:lnRef idx="2">
@@ -4301,7 +4989,7 @@
         </p:nvSpPr>
         <p:spPr>
           <a:xfrm>
-            <a:off x="4580261" y="3212071"/>
+            <a:off x="5207333" y="3077255"/>
             <a:ext cx="1426352" cy="507748"/>
           </a:xfrm>
           <a:prstGeom prst="roundRect">
@@ -4310,6 +4998,14 @@
           <a:solidFill>
             <a:schemeClr val="bg1"/>
           </a:solidFill>
+          <a:ln>
+            <a:solidFill>
+              <a:schemeClr val="accent2">
+                <a:lumMod val="60000"/>
+                <a:lumOff val="40000"/>
+              </a:schemeClr>
+            </a:solidFill>
+          </a:ln>
         </p:spPr>
         <p:style>
           <a:lnRef idx="2">
@@ -4365,7 +5061,7 @@
         </p:nvSpPr>
         <p:spPr>
           <a:xfrm>
-            <a:off x="6906824" y="1875068"/>
+            <a:off x="7346539" y="1795543"/>
             <a:ext cx="1426352" cy="507748"/>
           </a:xfrm>
           <a:prstGeom prst="roundRect">
@@ -4374,6 +5070,14 @@
           <a:solidFill>
             <a:schemeClr val="bg1"/>
           </a:solidFill>
+          <a:ln>
+            <a:solidFill>
+              <a:schemeClr val="accent2">
+                <a:lumMod val="60000"/>
+                <a:lumOff val="40000"/>
+              </a:schemeClr>
+            </a:solidFill>
+          </a:ln>
         </p:spPr>
         <p:style>
           <a:lnRef idx="2">
@@ -4421,7 +5125,7 @@
         </p:nvSpPr>
         <p:spPr>
           <a:xfrm>
-            <a:off x="6906824" y="2491690"/>
+            <a:off x="7346539" y="2436399"/>
             <a:ext cx="1426352" cy="507748"/>
           </a:xfrm>
           <a:prstGeom prst="roundRect">
@@ -4430,6 +5134,14 @@
           <a:solidFill>
             <a:schemeClr val="bg1"/>
           </a:solidFill>
+          <a:ln>
+            <a:solidFill>
+              <a:schemeClr val="accent2">
+                <a:lumMod val="60000"/>
+                <a:lumOff val="40000"/>
+              </a:schemeClr>
+            </a:solidFill>
+          </a:ln>
         </p:spPr>
         <p:style>
           <a:lnRef idx="2">
@@ -4482,7 +5194,7 @@
         </p:nvSpPr>
         <p:spPr>
           <a:xfrm>
-            <a:off x="6906824" y="3179781"/>
+            <a:off x="7346539" y="3077255"/>
             <a:ext cx="1426352" cy="507748"/>
           </a:xfrm>
           <a:prstGeom prst="roundRect">
@@ -4491,6 +5203,14 @@
           <a:solidFill>
             <a:schemeClr val="bg1"/>
           </a:solidFill>
+          <a:ln>
+            <a:solidFill>
+              <a:schemeClr val="accent2">
+                <a:lumMod val="60000"/>
+                <a:lumOff val="40000"/>
+              </a:schemeClr>
+            </a:solidFill>
+          </a:ln>
         </p:spPr>
         <p:style>
           <a:lnRef idx="2">
@@ -4514,20 +5234,12 @@
           <a:p>
             <a:pPr algn="ctr"/>
             <a:r>
-              <a:rPr lang="ko-KR" altLang="en-US" sz="1200" b="1">
-                <a:solidFill>
-                  <a:sysClr val="windowText" lastClr="000000"/>
-                </a:solidFill>
-              </a:rPr>
-              <a:t>통합 </a:t>
-            </a:r>
-            <a:r>
               <a:rPr lang="ko-KR" altLang="en-US" sz="1200" b="1" dirty="0">
                 <a:solidFill>
                   <a:sysClr val="windowText" lastClr="000000"/>
                 </a:solidFill>
               </a:rPr>
-              <a:t>테스트</a:t>
+              <a:t>통합 테스트</a:t>
             </a:r>
           </a:p>
         </p:txBody>
@@ -4546,7 +5258,7 @@
         </p:nvSpPr>
         <p:spPr>
           <a:xfrm>
-            <a:off x="6906824" y="3814690"/>
+            <a:off x="7346539" y="3718111"/>
             <a:ext cx="1426352" cy="507748"/>
           </a:xfrm>
           <a:prstGeom prst="roundRect">
@@ -4555,6 +5267,14 @@
           <a:solidFill>
             <a:schemeClr val="bg1"/>
           </a:solidFill>
+          <a:ln>
+            <a:solidFill>
+              <a:schemeClr val="accent2">
+                <a:lumMod val="60000"/>
+                <a:lumOff val="40000"/>
+              </a:schemeClr>
+            </a:solidFill>
+          </a:ln>
         </p:spPr>
         <p:style>
           <a:lnRef idx="2">
@@ -4610,7 +5330,7 @@
         </p:nvSpPr>
         <p:spPr>
           <a:xfrm>
-            <a:off x="9485745" y="1898302"/>
+            <a:off x="9485745" y="1815088"/>
             <a:ext cx="1426352" cy="507748"/>
           </a:xfrm>
           <a:prstGeom prst="roundRect">
@@ -4619,6 +5339,14 @@
           <a:solidFill>
             <a:schemeClr val="bg1"/>
           </a:solidFill>
+          <a:ln>
+            <a:solidFill>
+              <a:schemeClr val="accent2">
+                <a:lumMod val="60000"/>
+                <a:lumOff val="40000"/>
+              </a:schemeClr>
+            </a:solidFill>
+          </a:ln>
         </p:spPr>
         <p:style>
           <a:lnRef idx="2">
@@ -4666,7 +5394,7 @@
         </p:nvSpPr>
         <p:spPr>
           <a:xfrm>
-            <a:off x="9485745" y="2672033"/>
+            <a:off x="9485745" y="2475489"/>
             <a:ext cx="1426352" cy="507748"/>
           </a:xfrm>
           <a:prstGeom prst="roundRect">
@@ -4675,6 +5403,14 @@
           <a:solidFill>
             <a:schemeClr val="bg1"/>
           </a:solidFill>
+          <a:ln>
+            <a:solidFill>
+              <a:schemeClr val="accent2">
+                <a:lumMod val="60000"/>
+                <a:lumOff val="40000"/>
+              </a:schemeClr>
+            </a:solidFill>
+          </a:ln>
         </p:spPr>
         <p:style>
           <a:lnRef idx="2">
@@ -4698,21 +5434,1514 @@
           <a:p>
             <a:pPr algn="ctr"/>
             <a:r>
-              <a:rPr lang="ko-KR" altLang="en-US" sz="1200" b="1">
+              <a:rPr lang="ko-KR" altLang="en-US" sz="1200" b="1" dirty="0">
                 <a:solidFill>
                   <a:sysClr val="windowText" lastClr="000000"/>
                 </a:solidFill>
               </a:rPr>
               <a:t>배포</a:t>
             </a:r>
-            <a:endParaRPr lang="ko-KR" altLang="en-US" sz="1200" b="1" dirty="0">
-              <a:solidFill>
-                <a:sysClr val="windowText" lastClr="000000"/>
-              </a:solidFill>
-            </a:endParaRPr>
-          </a:p>
-        </p:txBody>
-      </p:sp>
+          </a:p>
+        </p:txBody>
+      </p:sp>
+      <p:cxnSp>
+        <p:nvCxnSpPr>
+          <p:cNvPr id="3" name="직선 연결선 2">
+            <a:extLst>
+              <a:ext uri="{FF2B5EF4-FFF2-40B4-BE49-F238E27FC236}">
+                <a16:creationId xmlns:a16="http://schemas.microsoft.com/office/drawing/2014/main" id="{B7F4247C-C006-CB1F-215C-79912A650734}"/>
+              </a:ext>
+            </a:extLst>
+          </p:cNvPr>
+          <p:cNvCxnSpPr>
+            <a:cxnSpLocks/>
+            <a:stCxn id="4" idx="2"/>
+            <a:endCxn id="13" idx="0"/>
+          </p:cNvCxnSpPr>
+          <p:nvPr/>
+        </p:nvCxnSpPr>
+        <p:spPr>
+          <a:xfrm>
+            <a:off x="5920509" y="764488"/>
+            <a:ext cx="0" cy="390199"/>
+          </a:xfrm>
+          <a:prstGeom prst="line">
+            <a:avLst/>
+          </a:prstGeom>
+          <a:ln>
+            <a:solidFill>
+              <a:schemeClr val="accent2">
+                <a:lumMod val="60000"/>
+                <a:lumOff val="40000"/>
+              </a:schemeClr>
+            </a:solidFill>
+          </a:ln>
+        </p:spPr>
+        <p:style>
+          <a:lnRef idx="2">
+            <a:schemeClr val="accent1"/>
+          </a:lnRef>
+          <a:fillRef idx="0">
+            <a:schemeClr val="accent1"/>
+          </a:fillRef>
+          <a:effectRef idx="1">
+            <a:schemeClr val="accent1"/>
+          </a:effectRef>
+          <a:fontRef idx="minor">
+            <a:schemeClr val="tx1"/>
+          </a:fontRef>
+        </p:style>
+      </p:cxnSp>
+      <p:cxnSp>
+        <p:nvCxnSpPr>
+          <p:cNvPr id="37" name="직선 연결선 36">
+            <a:extLst>
+              <a:ext uri="{FF2B5EF4-FFF2-40B4-BE49-F238E27FC236}">
+                <a16:creationId xmlns:a16="http://schemas.microsoft.com/office/drawing/2014/main" id="{5F6ACC56-FAEA-42FC-4C06-336FCD2E41E8}"/>
+              </a:ext>
+            </a:extLst>
+          </p:cNvPr>
+          <p:cNvCxnSpPr>
+            <a:cxnSpLocks/>
+          </p:cNvCxnSpPr>
+          <p:nvPr/>
+        </p:nvCxnSpPr>
+        <p:spPr>
+          <a:xfrm>
+            <a:off x="1642097" y="1019695"/>
+            <a:ext cx="8556824" cy="0"/>
+          </a:xfrm>
+          <a:prstGeom prst="line">
+            <a:avLst/>
+          </a:prstGeom>
+          <a:ln>
+            <a:solidFill>
+              <a:schemeClr val="accent2">
+                <a:lumMod val="60000"/>
+                <a:lumOff val="40000"/>
+              </a:schemeClr>
+            </a:solidFill>
+          </a:ln>
+        </p:spPr>
+        <p:style>
+          <a:lnRef idx="2">
+            <a:schemeClr val="accent1"/>
+          </a:lnRef>
+          <a:fillRef idx="0">
+            <a:schemeClr val="accent1"/>
+          </a:fillRef>
+          <a:effectRef idx="1">
+            <a:schemeClr val="accent1"/>
+          </a:effectRef>
+          <a:fontRef idx="minor">
+            <a:schemeClr val="tx1"/>
+          </a:fontRef>
+        </p:style>
+      </p:cxnSp>
+      <p:cxnSp>
+        <p:nvCxnSpPr>
+          <p:cNvPr id="51" name="직선 연결선 50">
+            <a:extLst>
+              <a:ext uri="{FF2B5EF4-FFF2-40B4-BE49-F238E27FC236}">
+                <a16:creationId xmlns:a16="http://schemas.microsoft.com/office/drawing/2014/main" id="{D4CCF6CD-9BC1-3CAB-F15A-14EE0361ED11}"/>
+              </a:ext>
+            </a:extLst>
+          </p:cNvPr>
+          <p:cNvCxnSpPr>
+            <a:cxnSpLocks/>
+          </p:cNvCxnSpPr>
+          <p:nvPr/>
+        </p:nvCxnSpPr>
+        <p:spPr>
+          <a:xfrm>
+            <a:off x="676102" y="1408561"/>
+            <a:ext cx="0" cy="1320802"/>
+          </a:xfrm>
+          <a:prstGeom prst="line">
+            <a:avLst/>
+          </a:prstGeom>
+          <a:ln>
+            <a:solidFill>
+              <a:schemeClr val="accent2">
+                <a:lumMod val="60000"/>
+                <a:lumOff val="40000"/>
+              </a:schemeClr>
+            </a:solidFill>
+          </a:ln>
+        </p:spPr>
+        <p:style>
+          <a:lnRef idx="2">
+            <a:schemeClr val="accent1"/>
+          </a:lnRef>
+          <a:fillRef idx="0">
+            <a:schemeClr val="accent1"/>
+          </a:fillRef>
+          <a:effectRef idx="1">
+            <a:schemeClr val="accent1"/>
+          </a:effectRef>
+          <a:fontRef idx="minor">
+            <a:schemeClr val="tx1"/>
+          </a:fontRef>
+        </p:style>
+      </p:cxnSp>
+      <p:cxnSp>
+        <p:nvCxnSpPr>
+          <p:cNvPr id="53" name="직선 연결선 52">
+            <a:extLst>
+              <a:ext uri="{FF2B5EF4-FFF2-40B4-BE49-F238E27FC236}">
+                <a16:creationId xmlns:a16="http://schemas.microsoft.com/office/drawing/2014/main" id="{A956624A-5372-BB6C-B265-0B471E2E7B59}"/>
+              </a:ext>
+            </a:extLst>
+          </p:cNvPr>
+          <p:cNvCxnSpPr>
+            <a:cxnSpLocks/>
+          </p:cNvCxnSpPr>
+          <p:nvPr/>
+        </p:nvCxnSpPr>
+        <p:spPr>
+          <a:xfrm>
+            <a:off x="2687782" y="1408561"/>
+            <a:ext cx="0" cy="3909975"/>
+          </a:xfrm>
+          <a:prstGeom prst="line">
+            <a:avLst/>
+          </a:prstGeom>
+          <a:ln>
+            <a:solidFill>
+              <a:schemeClr val="accent2">
+                <a:lumMod val="60000"/>
+                <a:lumOff val="40000"/>
+              </a:schemeClr>
+            </a:solidFill>
+          </a:ln>
+        </p:spPr>
+        <p:style>
+          <a:lnRef idx="2">
+            <a:schemeClr val="accent1"/>
+          </a:lnRef>
+          <a:fillRef idx="0">
+            <a:schemeClr val="accent1"/>
+          </a:fillRef>
+          <a:effectRef idx="1">
+            <a:schemeClr val="accent1"/>
+          </a:effectRef>
+          <a:fontRef idx="minor">
+            <a:schemeClr val="tx1"/>
+          </a:fontRef>
+        </p:style>
+      </p:cxnSp>
+      <p:cxnSp>
+        <p:nvCxnSpPr>
+          <p:cNvPr id="55" name="직선 연결선 54">
+            <a:extLst>
+              <a:ext uri="{FF2B5EF4-FFF2-40B4-BE49-F238E27FC236}">
+                <a16:creationId xmlns:a16="http://schemas.microsoft.com/office/drawing/2014/main" id="{9AFDC107-9446-7162-7FEB-41A406FB8CC2}"/>
+              </a:ext>
+            </a:extLst>
+          </p:cNvPr>
+          <p:cNvCxnSpPr>
+            <a:cxnSpLocks/>
+          </p:cNvCxnSpPr>
+          <p:nvPr/>
+        </p:nvCxnSpPr>
+        <p:spPr>
+          <a:xfrm>
+            <a:off x="4843549" y="1408561"/>
+            <a:ext cx="0" cy="1922568"/>
+          </a:xfrm>
+          <a:prstGeom prst="line">
+            <a:avLst/>
+          </a:prstGeom>
+          <a:ln>
+            <a:solidFill>
+              <a:schemeClr val="accent2">
+                <a:lumMod val="60000"/>
+                <a:lumOff val="40000"/>
+              </a:schemeClr>
+            </a:solidFill>
+          </a:ln>
+        </p:spPr>
+        <p:style>
+          <a:lnRef idx="2">
+            <a:schemeClr val="accent1"/>
+          </a:lnRef>
+          <a:fillRef idx="0">
+            <a:schemeClr val="accent1"/>
+          </a:fillRef>
+          <a:effectRef idx="1">
+            <a:schemeClr val="accent1"/>
+          </a:effectRef>
+          <a:fontRef idx="minor">
+            <a:schemeClr val="tx1"/>
+          </a:fontRef>
+        </p:style>
+      </p:cxnSp>
+      <p:cxnSp>
+        <p:nvCxnSpPr>
+          <p:cNvPr id="57" name="직선 연결선 56">
+            <a:extLst>
+              <a:ext uri="{FF2B5EF4-FFF2-40B4-BE49-F238E27FC236}">
+                <a16:creationId xmlns:a16="http://schemas.microsoft.com/office/drawing/2014/main" id="{9C50FC48-27C9-B2B2-B2F6-5A84276D1F5E}"/>
+              </a:ext>
+            </a:extLst>
+          </p:cNvPr>
+          <p:cNvCxnSpPr>
+            <a:cxnSpLocks/>
+          </p:cNvCxnSpPr>
+          <p:nvPr/>
+        </p:nvCxnSpPr>
+        <p:spPr>
+          <a:xfrm>
+            <a:off x="6943898" y="1408561"/>
+            <a:ext cx="0" cy="2563424"/>
+          </a:xfrm>
+          <a:prstGeom prst="line">
+            <a:avLst/>
+          </a:prstGeom>
+          <a:ln>
+            <a:solidFill>
+              <a:schemeClr val="accent2">
+                <a:lumMod val="60000"/>
+                <a:lumOff val="40000"/>
+              </a:schemeClr>
+            </a:solidFill>
+          </a:ln>
+        </p:spPr>
+        <p:style>
+          <a:lnRef idx="2">
+            <a:schemeClr val="accent1"/>
+          </a:lnRef>
+          <a:fillRef idx="0">
+            <a:schemeClr val="accent1"/>
+          </a:fillRef>
+          <a:effectRef idx="1">
+            <a:schemeClr val="accent1"/>
+          </a:effectRef>
+          <a:fontRef idx="minor">
+            <a:schemeClr val="tx1"/>
+          </a:fontRef>
+        </p:style>
+      </p:cxnSp>
+      <p:cxnSp>
+        <p:nvCxnSpPr>
+          <p:cNvPr id="59" name="직선 연결선 58">
+            <a:extLst>
+              <a:ext uri="{FF2B5EF4-FFF2-40B4-BE49-F238E27FC236}">
+                <a16:creationId xmlns:a16="http://schemas.microsoft.com/office/drawing/2014/main" id="{6C7C12B9-D31B-095C-CE30-6D48E293F98F}"/>
+              </a:ext>
+            </a:extLst>
+          </p:cNvPr>
+          <p:cNvCxnSpPr>
+            <a:cxnSpLocks/>
+          </p:cNvCxnSpPr>
+          <p:nvPr/>
+        </p:nvCxnSpPr>
+        <p:spPr>
+          <a:xfrm>
+            <a:off x="9210502" y="1408561"/>
+            <a:ext cx="0" cy="1320802"/>
+          </a:xfrm>
+          <a:prstGeom prst="line">
+            <a:avLst/>
+          </a:prstGeom>
+          <a:ln>
+            <a:solidFill>
+              <a:schemeClr val="accent2">
+                <a:lumMod val="60000"/>
+                <a:lumOff val="40000"/>
+              </a:schemeClr>
+            </a:solidFill>
+          </a:ln>
+        </p:spPr>
+        <p:style>
+          <a:lnRef idx="2">
+            <a:schemeClr val="accent1"/>
+          </a:lnRef>
+          <a:fillRef idx="0">
+            <a:schemeClr val="accent1"/>
+          </a:fillRef>
+          <a:effectRef idx="1">
+            <a:schemeClr val="accent1"/>
+          </a:effectRef>
+          <a:fontRef idx="minor">
+            <a:schemeClr val="tx1"/>
+          </a:fontRef>
+        </p:style>
+      </p:cxnSp>
+      <p:cxnSp>
+        <p:nvCxnSpPr>
+          <p:cNvPr id="61" name="직선 연결선 60">
+            <a:extLst>
+              <a:ext uri="{FF2B5EF4-FFF2-40B4-BE49-F238E27FC236}">
+                <a16:creationId xmlns:a16="http://schemas.microsoft.com/office/drawing/2014/main" id="{E9E0C35A-C775-959D-8E05-35B5CCB7940E}"/>
+              </a:ext>
+            </a:extLst>
+          </p:cNvPr>
+          <p:cNvCxnSpPr>
+            <a:endCxn id="20" idx="1"/>
+          </p:cNvCxnSpPr>
+          <p:nvPr/>
+        </p:nvCxnSpPr>
+        <p:spPr>
+          <a:xfrm>
+            <a:off x="676102" y="2729363"/>
+            <a:ext cx="252819" cy="0"/>
+          </a:xfrm>
+          <a:prstGeom prst="line">
+            <a:avLst/>
+          </a:prstGeom>
+          <a:ln>
+            <a:solidFill>
+              <a:schemeClr val="accent2">
+                <a:lumMod val="60000"/>
+                <a:lumOff val="40000"/>
+              </a:schemeClr>
+            </a:solidFill>
+          </a:ln>
+        </p:spPr>
+        <p:style>
+          <a:lnRef idx="2">
+            <a:schemeClr val="accent1"/>
+          </a:lnRef>
+          <a:fillRef idx="0">
+            <a:schemeClr val="accent1"/>
+          </a:fillRef>
+          <a:effectRef idx="1">
+            <a:schemeClr val="accent1"/>
+          </a:effectRef>
+          <a:fontRef idx="minor">
+            <a:schemeClr val="tx1"/>
+          </a:fontRef>
+        </p:style>
+      </p:cxnSp>
+      <p:cxnSp>
+        <p:nvCxnSpPr>
+          <p:cNvPr id="63" name="직선 연결선 62">
+            <a:extLst>
+              <a:ext uri="{FF2B5EF4-FFF2-40B4-BE49-F238E27FC236}">
+                <a16:creationId xmlns:a16="http://schemas.microsoft.com/office/drawing/2014/main" id="{61E5FA22-296E-06BA-3E18-C9897D8ECE0B}"/>
+              </a:ext>
+            </a:extLst>
+          </p:cNvPr>
+          <p:cNvCxnSpPr>
+            <a:stCxn id="19" idx="1"/>
+          </p:cNvCxnSpPr>
+          <p:nvPr/>
+        </p:nvCxnSpPr>
+        <p:spPr>
+          <a:xfrm flipH="1">
+            <a:off x="676102" y="2068962"/>
+            <a:ext cx="252819" cy="0"/>
+          </a:xfrm>
+          <a:prstGeom prst="line">
+            <a:avLst/>
+          </a:prstGeom>
+          <a:ln>
+            <a:solidFill>
+              <a:schemeClr val="accent2">
+                <a:lumMod val="60000"/>
+                <a:lumOff val="40000"/>
+              </a:schemeClr>
+            </a:solidFill>
+          </a:ln>
+        </p:spPr>
+        <p:style>
+          <a:lnRef idx="2">
+            <a:schemeClr val="accent1"/>
+          </a:lnRef>
+          <a:fillRef idx="0">
+            <a:schemeClr val="accent1"/>
+          </a:fillRef>
+          <a:effectRef idx="1">
+            <a:schemeClr val="accent1"/>
+          </a:effectRef>
+          <a:fontRef idx="minor">
+            <a:schemeClr val="tx1"/>
+          </a:fontRef>
+        </p:style>
+      </p:cxnSp>
+      <p:cxnSp>
+        <p:nvCxnSpPr>
+          <p:cNvPr id="65" name="직선 연결선 64">
+            <a:extLst>
+              <a:ext uri="{FF2B5EF4-FFF2-40B4-BE49-F238E27FC236}">
+                <a16:creationId xmlns:a16="http://schemas.microsoft.com/office/drawing/2014/main" id="{12D3FFE5-CF37-2F9C-FB8F-31F84AD9493D}"/>
+              </a:ext>
+            </a:extLst>
+          </p:cNvPr>
+          <p:cNvCxnSpPr>
+            <a:stCxn id="5" idx="1"/>
+          </p:cNvCxnSpPr>
+          <p:nvPr/>
+        </p:nvCxnSpPr>
+        <p:spPr>
+          <a:xfrm flipH="1">
+            <a:off x="676102" y="1408561"/>
+            <a:ext cx="252819" cy="0"/>
+          </a:xfrm>
+          <a:prstGeom prst="line">
+            <a:avLst/>
+          </a:prstGeom>
+          <a:ln>
+            <a:solidFill>
+              <a:schemeClr val="accent2">
+                <a:lumMod val="60000"/>
+                <a:lumOff val="40000"/>
+              </a:schemeClr>
+            </a:solidFill>
+          </a:ln>
+        </p:spPr>
+        <p:style>
+          <a:lnRef idx="2">
+            <a:schemeClr val="accent1"/>
+          </a:lnRef>
+          <a:fillRef idx="0">
+            <a:schemeClr val="accent1"/>
+          </a:fillRef>
+          <a:effectRef idx="1">
+            <a:schemeClr val="accent1"/>
+          </a:effectRef>
+          <a:fontRef idx="minor">
+            <a:schemeClr val="tx1"/>
+          </a:fontRef>
+        </p:style>
+      </p:cxnSp>
+      <p:cxnSp>
+        <p:nvCxnSpPr>
+          <p:cNvPr id="67" name="직선 연결선 66">
+            <a:extLst>
+              <a:ext uri="{FF2B5EF4-FFF2-40B4-BE49-F238E27FC236}">
+                <a16:creationId xmlns:a16="http://schemas.microsoft.com/office/drawing/2014/main" id="{C666AF84-1BBB-0586-0F1B-F9263F1998E2}"/>
+              </a:ext>
+            </a:extLst>
+          </p:cNvPr>
+          <p:cNvCxnSpPr>
+            <a:stCxn id="12" idx="1"/>
+          </p:cNvCxnSpPr>
+          <p:nvPr/>
+        </p:nvCxnSpPr>
+        <p:spPr>
+          <a:xfrm flipH="1" flipV="1">
+            <a:off x="2687782" y="1408561"/>
+            <a:ext cx="380345" cy="1"/>
+          </a:xfrm>
+          <a:prstGeom prst="line">
+            <a:avLst/>
+          </a:prstGeom>
+          <a:ln>
+            <a:solidFill>
+              <a:schemeClr val="accent2">
+                <a:lumMod val="60000"/>
+                <a:lumOff val="40000"/>
+              </a:schemeClr>
+            </a:solidFill>
+          </a:ln>
+        </p:spPr>
+        <p:style>
+          <a:lnRef idx="2">
+            <a:schemeClr val="accent1"/>
+          </a:lnRef>
+          <a:fillRef idx="0">
+            <a:schemeClr val="accent1"/>
+          </a:fillRef>
+          <a:effectRef idx="1">
+            <a:schemeClr val="accent1"/>
+          </a:effectRef>
+          <a:fontRef idx="minor">
+            <a:schemeClr val="tx1"/>
+          </a:fontRef>
+        </p:style>
+      </p:cxnSp>
+      <p:cxnSp>
+        <p:nvCxnSpPr>
+          <p:cNvPr id="72" name="직선 연결선 71">
+            <a:extLst>
+              <a:ext uri="{FF2B5EF4-FFF2-40B4-BE49-F238E27FC236}">
+                <a16:creationId xmlns:a16="http://schemas.microsoft.com/office/drawing/2014/main" id="{6A74EF89-B52C-54F0-4ED4-19CB8DDE6608}"/>
+              </a:ext>
+            </a:extLst>
+          </p:cNvPr>
+          <p:cNvCxnSpPr/>
+          <p:nvPr/>
+        </p:nvCxnSpPr>
+        <p:spPr>
+          <a:xfrm flipH="1" flipV="1">
+            <a:off x="2687654" y="2048475"/>
+            <a:ext cx="380345" cy="1"/>
+          </a:xfrm>
+          <a:prstGeom prst="line">
+            <a:avLst/>
+          </a:prstGeom>
+          <a:ln>
+            <a:solidFill>
+              <a:schemeClr val="accent2">
+                <a:lumMod val="60000"/>
+                <a:lumOff val="40000"/>
+              </a:schemeClr>
+            </a:solidFill>
+          </a:ln>
+        </p:spPr>
+        <p:style>
+          <a:lnRef idx="2">
+            <a:schemeClr val="accent1"/>
+          </a:lnRef>
+          <a:fillRef idx="0">
+            <a:schemeClr val="accent1"/>
+          </a:fillRef>
+          <a:effectRef idx="1">
+            <a:schemeClr val="accent1"/>
+          </a:effectRef>
+          <a:fontRef idx="minor">
+            <a:schemeClr val="tx1"/>
+          </a:fontRef>
+        </p:style>
+      </p:cxnSp>
+      <p:cxnSp>
+        <p:nvCxnSpPr>
+          <p:cNvPr id="73" name="직선 연결선 72">
+            <a:extLst>
+              <a:ext uri="{FF2B5EF4-FFF2-40B4-BE49-F238E27FC236}">
+                <a16:creationId xmlns:a16="http://schemas.microsoft.com/office/drawing/2014/main" id="{97A5EF4E-DD2F-62E2-AA17-DBD60EFA3030}"/>
+              </a:ext>
+            </a:extLst>
+          </p:cNvPr>
+          <p:cNvCxnSpPr/>
+          <p:nvPr/>
+        </p:nvCxnSpPr>
+        <p:spPr>
+          <a:xfrm flipH="1" flipV="1">
+            <a:off x="2687653" y="2688389"/>
+            <a:ext cx="380345" cy="1"/>
+          </a:xfrm>
+          <a:prstGeom prst="line">
+            <a:avLst/>
+          </a:prstGeom>
+          <a:ln>
+            <a:solidFill>
+              <a:schemeClr val="accent2">
+                <a:lumMod val="60000"/>
+                <a:lumOff val="40000"/>
+              </a:schemeClr>
+            </a:solidFill>
+          </a:ln>
+        </p:spPr>
+        <p:style>
+          <a:lnRef idx="2">
+            <a:schemeClr val="accent1"/>
+          </a:lnRef>
+          <a:fillRef idx="0">
+            <a:schemeClr val="accent1"/>
+          </a:fillRef>
+          <a:effectRef idx="1">
+            <a:schemeClr val="accent1"/>
+          </a:effectRef>
+          <a:fontRef idx="minor">
+            <a:schemeClr val="tx1"/>
+          </a:fontRef>
+        </p:style>
+      </p:cxnSp>
+      <p:cxnSp>
+        <p:nvCxnSpPr>
+          <p:cNvPr id="74" name="직선 연결선 73">
+            <a:extLst>
+              <a:ext uri="{FF2B5EF4-FFF2-40B4-BE49-F238E27FC236}">
+                <a16:creationId xmlns:a16="http://schemas.microsoft.com/office/drawing/2014/main" id="{704F2F3D-66F5-B1AE-4DD5-B7586B2442C3}"/>
+              </a:ext>
+            </a:extLst>
+          </p:cNvPr>
+          <p:cNvCxnSpPr/>
+          <p:nvPr/>
+        </p:nvCxnSpPr>
+        <p:spPr>
+          <a:xfrm flipH="1" flipV="1">
+            <a:off x="2682178" y="3363548"/>
+            <a:ext cx="380345" cy="1"/>
+          </a:xfrm>
+          <a:prstGeom prst="line">
+            <a:avLst/>
+          </a:prstGeom>
+          <a:ln>
+            <a:solidFill>
+              <a:schemeClr val="accent2">
+                <a:lumMod val="60000"/>
+                <a:lumOff val="40000"/>
+              </a:schemeClr>
+            </a:solidFill>
+          </a:ln>
+        </p:spPr>
+        <p:style>
+          <a:lnRef idx="2">
+            <a:schemeClr val="accent1"/>
+          </a:lnRef>
+          <a:fillRef idx="0">
+            <a:schemeClr val="accent1"/>
+          </a:fillRef>
+          <a:effectRef idx="1">
+            <a:schemeClr val="accent1"/>
+          </a:effectRef>
+          <a:fontRef idx="minor">
+            <a:schemeClr val="tx1"/>
+          </a:fontRef>
+        </p:style>
+      </p:cxnSp>
+      <p:cxnSp>
+        <p:nvCxnSpPr>
+          <p:cNvPr id="75" name="직선 연결선 74">
+            <a:extLst>
+              <a:ext uri="{FF2B5EF4-FFF2-40B4-BE49-F238E27FC236}">
+                <a16:creationId xmlns:a16="http://schemas.microsoft.com/office/drawing/2014/main" id="{B1F7304D-C22E-A0DF-06B5-6E8EF8A36EA1}"/>
+              </a:ext>
+            </a:extLst>
+          </p:cNvPr>
+          <p:cNvCxnSpPr/>
+          <p:nvPr/>
+        </p:nvCxnSpPr>
+        <p:spPr>
+          <a:xfrm flipH="1" flipV="1">
+            <a:off x="2682177" y="4003462"/>
+            <a:ext cx="380345" cy="1"/>
+          </a:xfrm>
+          <a:prstGeom prst="line">
+            <a:avLst/>
+          </a:prstGeom>
+          <a:ln>
+            <a:solidFill>
+              <a:schemeClr val="accent2">
+                <a:lumMod val="60000"/>
+                <a:lumOff val="40000"/>
+              </a:schemeClr>
+            </a:solidFill>
+          </a:ln>
+        </p:spPr>
+        <p:style>
+          <a:lnRef idx="2">
+            <a:schemeClr val="accent1"/>
+          </a:lnRef>
+          <a:fillRef idx="0">
+            <a:schemeClr val="accent1"/>
+          </a:fillRef>
+          <a:effectRef idx="1">
+            <a:schemeClr val="accent1"/>
+          </a:effectRef>
+          <a:fontRef idx="minor">
+            <a:schemeClr val="tx1"/>
+          </a:fontRef>
+        </p:style>
+      </p:cxnSp>
+      <p:cxnSp>
+        <p:nvCxnSpPr>
+          <p:cNvPr id="76" name="직선 연결선 75">
+            <a:extLst>
+              <a:ext uri="{FF2B5EF4-FFF2-40B4-BE49-F238E27FC236}">
+                <a16:creationId xmlns:a16="http://schemas.microsoft.com/office/drawing/2014/main" id="{192D388F-F007-60EB-4D0E-7FDD5A66B682}"/>
+              </a:ext>
+            </a:extLst>
+          </p:cNvPr>
+          <p:cNvCxnSpPr/>
+          <p:nvPr/>
+        </p:nvCxnSpPr>
+        <p:spPr>
+          <a:xfrm flipH="1" flipV="1">
+            <a:off x="2675809" y="5322994"/>
+            <a:ext cx="380345" cy="1"/>
+          </a:xfrm>
+          <a:prstGeom prst="line">
+            <a:avLst/>
+          </a:prstGeom>
+          <a:ln>
+            <a:solidFill>
+              <a:schemeClr val="accent2">
+                <a:lumMod val="60000"/>
+                <a:lumOff val="40000"/>
+              </a:schemeClr>
+            </a:solidFill>
+          </a:ln>
+        </p:spPr>
+        <p:style>
+          <a:lnRef idx="2">
+            <a:schemeClr val="accent1"/>
+          </a:lnRef>
+          <a:fillRef idx="0">
+            <a:schemeClr val="accent1"/>
+          </a:fillRef>
+          <a:effectRef idx="1">
+            <a:schemeClr val="accent1"/>
+          </a:effectRef>
+          <a:fontRef idx="minor">
+            <a:schemeClr val="tx1"/>
+          </a:fontRef>
+        </p:style>
+      </p:cxnSp>
+      <p:cxnSp>
+        <p:nvCxnSpPr>
+          <p:cNvPr id="77" name="직선 연결선 76">
+            <a:extLst>
+              <a:ext uri="{FF2B5EF4-FFF2-40B4-BE49-F238E27FC236}">
+                <a16:creationId xmlns:a16="http://schemas.microsoft.com/office/drawing/2014/main" id="{7DA96840-0E9A-A2CF-807F-EECDAB40A79D}"/>
+              </a:ext>
+            </a:extLst>
+          </p:cNvPr>
+          <p:cNvCxnSpPr/>
+          <p:nvPr/>
+        </p:nvCxnSpPr>
+        <p:spPr>
+          <a:xfrm flipH="1" flipV="1">
+            <a:off x="2673834" y="4665871"/>
+            <a:ext cx="380345" cy="1"/>
+          </a:xfrm>
+          <a:prstGeom prst="line">
+            <a:avLst/>
+          </a:prstGeom>
+          <a:ln>
+            <a:solidFill>
+              <a:schemeClr val="accent2">
+                <a:lumMod val="60000"/>
+                <a:lumOff val="40000"/>
+              </a:schemeClr>
+            </a:solidFill>
+          </a:ln>
+        </p:spPr>
+        <p:style>
+          <a:lnRef idx="2">
+            <a:schemeClr val="accent1"/>
+          </a:lnRef>
+          <a:fillRef idx="0">
+            <a:schemeClr val="accent1"/>
+          </a:fillRef>
+          <a:effectRef idx="1">
+            <a:schemeClr val="accent1"/>
+          </a:effectRef>
+          <a:fontRef idx="minor">
+            <a:schemeClr val="tx1"/>
+          </a:fontRef>
+        </p:style>
+      </p:cxnSp>
+      <p:cxnSp>
+        <p:nvCxnSpPr>
+          <p:cNvPr id="79" name="직선 연결선 78">
+            <a:extLst>
+              <a:ext uri="{FF2B5EF4-FFF2-40B4-BE49-F238E27FC236}">
+                <a16:creationId xmlns:a16="http://schemas.microsoft.com/office/drawing/2014/main" id="{4FEC712E-AC96-FC72-F420-EBA32160BAE1}"/>
+              </a:ext>
+            </a:extLst>
+          </p:cNvPr>
+          <p:cNvCxnSpPr>
+            <a:cxnSpLocks/>
+            <a:endCxn id="23" idx="1"/>
+          </p:cNvCxnSpPr>
+          <p:nvPr/>
+        </p:nvCxnSpPr>
+        <p:spPr>
+          <a:xfrm>
+            <a:off x="4843549" y="3331129"/>
+            <a:ext cx="363784" cy="0"/>
+          </a:xfrm>
+          <a:prstGeom prst="line">
+            <a:avLst/>
+          </a:prstGeom>
+          <a:ln>
+            <a:solidFill>
+              <a:schemeClr val="accent2">
+                <a:lumMod val="60000"/>
+                <a:lumOff val="40000"/>
+              </a:schemeClr>
+            </a:solidFill>
+          </a:ln>
+        </p:spPr>
+        <p:style>
+          <a:lnRef idx="2">
+            <a:schemeClr val="accent1"/>
+          </a:lnRef>
+          <a:fillRef idx="0">
+            <a:schemeClr val="accent1"/>
+          </a:fillRef>
+          <a:effectRef idx="1">
+            <a:schemeClr val="accent1"/>
+          </a:effectRef>
+          <a:fontRef idx="minor">
+            <a:schemeClr val="tx1"/>
+          </a:fontRef>
+        </p:style>
+      </p:cxnSp>
+      <p:cxnSp>
+        <p:nvCxnSpPr>
+          <p:cNvPr id="83" name="직선 연결선 82">
+            <a:extLst>
+              <a:ext uri="{FF2B5EF4-FFF2-40B4-BE49-F238E27FC236}">
+                <a16:creationId xmlns:a16="http://schemas.microsoft.com/office/drawing/2014/main" id="{D8B8C917-500C-8F81-9A45-15BA08D7448D}"/>
+              </a:ext>
+            </a:extLst>
+          </p:cNvPr>
+          <p:cNvCxnSpPr>
+            <a:cxnSpLocks/>
+          </p:cNvCxnSpPr>
+          <p:nvPr/>
+        </p:nvCxnSpPr>
+        <p:spPr>
+          <a:xfrm>
+            <a:off x="4856415" y="2711886"/>
+            <a:ext cx="363784" cy="0"/>
+          </a:xfrm>
+          <a:prstGeom prst="line">
+            <a:avLst/>
+          </a:prstGeom>
+          <a:ln>
+            <a:solidFill>
+              <a:schemeClr val="accent2">
+                <a:lumMod val="60000"/>
+                <a:lumOff val="40000"/>
+              </a:schemeClr>
+            </a:solidFill>
+          </a:ln>
+        </p:spPr>
+        <p:style>
+          <a:lnRef idx="2">
+            <a:schemeClr val="accent1"/>
+          </a:lnRef>
+          <a:fillRef idx="0">
+            <a:schemeClr val="accent1"/>
+          </a:fillRef>
+          <a:effectRef idx="1">
+            <a:schemeClr val="accent1"/>
+          </a:effectRef>
+          <a:fontRef idx="minor">
+            <a:schemeClr val="tx1"/>
+          </a:fontRef>
+        </p:style>
+      </p:cxnSp>
+      <p:cxnSp>
+        <p:nvCxnSpPr>
+          <p:cNvPr id="84" name="직선 연결선 83">
+            <a:extLst>
+              <a:ext uri="{FF2B5EF4-FFF2-40B4-BE49-F238E27FC236}">
+                <a16:creationId xmlns:a16="http://schemas.microsoft.com/office/drawing/2014/main" id="{DC2C0DA1-1422-B53D-72FC-59036A39F1D0}"/>
+              </a:ext>
+            </a:extLst>
+          </p:cNvPr>
+          <p:cNvCxnSpPr>
+            <a:cxnSpLocks/>
+          </p:cNvCxnSpPr>
+          <p:nvPr/>
+        </p:nvCxnSpPr>
+        <p:spPr>
+          <a:xfrm>
+            <a:off x="4843549" y="2088855"/>
+            <a:ext cx="363784" cy="0"/>
+          </a:xfrm>
+          <a:prstGeom prst="line">
+            <a:avLst/>
+          </a:prstGeom>
+          <a:ln>
+            <a:solidFill>
+              <a:schemeClr val="accent2">
+                <a:lumMod val="60000"/>
+                <a:lumOff val="40000"/>
+              </a:schemeClr>
+            </a:solidFill>
+          </a:ln>
+        </p:spPr>
+        <p:style>
+          <a:lnRef idx="2">
+            <a:schemeClr val="accent1"/>
+          </a:lnRef>
+          <a:fillRef idx="0">
+            <a:schemeClr val="accent1"/>
+          </a:fillRef>
+          <a:effectRef idx="1">
+            <a:schemeClr val="accent1"/>
+          </a:effectRef>
+          <a:fontRef idx="minor">
+            <a:schemeClr val="tx1"/>
+          </a:fontRef>
+        </p:style>
+      </p:cxnSp>
+      <p:cxnSp>
+        <p:nvCxnSpPr>
+          <p:cNvPr id="85" name="직선 연결선 84">
+            <a:extLst>
+              <a:ext uri="{FF2B5EF4-FFF2-40B4-BE49-F238E27FC236}">
+                <a16:creationId xmlns:a16="http://schemas.microsoft.com/office/drawing/2014/main" id="{50DACBC1-24E4-B5E6-3130-51980ED3CE89}"/>
+              </a:ext>
+            </a:extLst>
+          </p:cNvPr>
+          <p:cNvCxnSpPr>
+            <a:cxnSpLocks/>
+          </p:cNvCxnSpPr>
+          <p:nvPr/>
+        </p:nvCxnSpPr>
+        <p:spPr>
+          <a:xfrm>
+            <a:off x="4843549" y="1408561"/>
+            <a:ext cx="363784" cy="0"/>
+          </a:xfrm>
+          <a:prstGeom prst="line">
+            <a:avLst/>
+          </a:prstGeom>
+          <a:ln>
+            <a:solidFill>
+              <a:schemeClr val="accent2">
+                <a:lumMod val="60000"/>
+                <a:lumOff val="40000"/>
+              </a:schemeClr>
+            </a:solidFill>
+          </a:ln>
+        </p:spPr>
+        <p:style>
+          <a:lnRef idx="2">
+            <a:schemeClr val="accent1"/>
+          </a:lnRef>
+          <a:fillRef idx="0">
+            <a:schemeClr val="accent1"/>
+          </a:fillRef>
+          <a:effectRef idx="1">
+            <a:schemeClr val="accent1"/>
+          </a:effectRef>
+          <a:fontRef idx="minor">
+            <a:schemeClr val="tx1"/>
+          </a:fontRef>
+        </p:style>
+      </p:cxnSp>
+      <p:cxnSp>
+        <p:nvCxnSpPr>
+          <p:cNvPr id="87" name="직선 연결선 86">
+            <a:extLst>
+              <a:ext uri="{FF2B5EF4-FFF2-40B4-BE49-F238E27FC236}">
+                <a16:creationId xmlns:a16="http://schemas.microsoft.com/office/drawing/2014/main" id="{CBA1D433-EBCA-D54F-3A5F-BA2A9188A973}"/>
+              </a:ext>
+            </a:extLst>
+          </p:cNvPr>
+          <p:cNvCxnSpPr>
+            <a:stCxn id="28" idx="1"/>
+          </p:cNvCxnSpPr>
+          <p:nvPr/>
+        </p:nvCxnSpPr>
+        <p:spPr>
+          <a:xfrm flipH="1">
+            <a:off x="6943898" y="3971985"/>
+            <a:ext cx="402641" cy="0"/>
+          </a:xfrm>
+          <a:prstGeom prst="line">
+            <a:avLst/>
+          </a:prstGeom>
+          <a:ln>
+            <a:solidFill>
+              <a:schemeClr val="accent2">
+                <a:lumMod val="60000"/>
+                <a:lumOff val="40000"/>
+              </a:schemeClr>
+            </a:solidFill>
+          </a:ln>
+        </p:spPr>
+        <p:style>
+          <a:lnRef idx="2">
+            <a:schemeClr val="accent1"/>
+          </a:lnRef>
+          <a:fillRef idx="0">
+            <a:schemeClr val="accent1"/>
+          </a:fillRef>
+          <a:effectRef idx="1">
+            <a:schemeClr val="accent1"/>
+          </a:effectRef>
+          <a:fontRef idx="minor">
+            <a:schemeClr val="tx1"/>
+          </a:fontRef>
+        </p:style>
+      </p:cxnSp>
+      <p:cxnSp>
+        <p:nvCxnSpPr>
+          <p:cNvPr id="89" name="직선 연결선 88">
+            <a:extLst>
+              <a:ext uri="{FF2B5EF4-FFF2-40B4-BE49-F238E27FC236}">
+                <a16:creationId xmlns:a16="http://schemas.microsoft.com/office/drawing/2014/main" id="{7178D5CB-05D5-A74D-2776-F5FF09C1CE1B}"/>
+              </a:ext>
+            </a:extLst>
+          </p:cNvPr>
+          <p:cNvCxnSpPr/>
+          <p:nvPr/>
+        </p:nvCxnSpPr>
+        <p:spPr>
+          <a:xfrm flipH="1">
+            <a:off x="6943898" y="3331129"/>
+            <a:ext cx="402641" cy="0"/>
+          </a:xfrm>
+          <a:prstGeom prst="line">
+            <a:avLst/>
+          </a:prstGeom>
+          <a:ln>
+            <a:solidFill>
+              <a:schemeClr val="accent2">
+                <a:lumMod val="60000"/>
+                <a:lumOff val="40000"/>
+              </a:schemeClr>
+            </a:solidFill>
+          </a:ln>
+        </p:spPr>
+        <p:style>
+          <a:lnRef idx="2">
+            <a:schemeClr val="accent1"/>
+          </a:lnRef>
+          <a:fillRef idx="0">
+            <a:schemeClr val="accent1"/>
+          </a:fillRef>
+          <a:effectRef idx="1">
+            <a:schemeClr val="accent1"/>
+          </a:effectRef>
+          <a:fontRef idx="minor">
+            <a:schemeClr val="tx1"/>
+          </a:fontRef>
+        </p:style>
+      </p:cxnSp>
+      <p:cxnSp>
+        <p:nvCxnSpPr>
+          <p:cNvPr id="90" name="직선 연결선 89">
+            <a:extLst>
+              <a:ext uri="{FF2B5EF4-FFF2-40B4-BE49-F238E27FC236}">
+                <a16:creationId xmlns:a16="http://schemas.microsoft.com/office/drawing/2014/main" id="{CC8F64D4-69FD-E3F8-57D2-769798CCE7D4}"/>
+              </a:ext>
+            </a:extLst>
+          </p:cNvPr>
+          <p:cNvCxnSpPr/>
+          <p:nvPr/>
+        </p:nvCxnSpPr>
+        <p:spPr>
+          <a:xfrm flipH="1">
+            <a:off x="6937400" y="2688389"/>
+            <a:ext cx="402641" cy="0"/>
+          </a:xfrm>
+          <a:prstGeom prst="line">
+            <a:avLst/>
+          </a:prstGeom>
+          <a:ln>
+            <a:solidFill>
+              <a:schemeClr val="accent2">
+                <a:lumMod val="60000"/>
+                <a:lumOff val="40000"/>
+              </a:schemeClr>
+            </a:solidFill>
+          </a:ln>
+        </p:spPr>
+        <p:style>
+          <a:lnRef idx="2">
+            <a:schemeClr val="accent1"/>
+          </a:lnRef>
+          <a:fillRef idx="0">
+            <a:schemeClr val="accent1"/>
+          </a:fillRef>
+          <a:effectRef idx="1">
+            <a:schemeClr val="accent1"/>
+          </a:effectRef>
+          <a:fontRef idx="minor">
+            <a:schemeClr val="tx1"/>
+          </a:fontRef>
+        </p:style>
+      </p:cxnSp>
+      <p:cxnSp>
+        <p:nvCxnSpPr>
+          <p:cNvPr id="91" name="직선 연결선 90">
+            <a:extLst>
+              <a:ext uri="{FF2B5EF4-FFF2-40B4-BE49-F238E27FC236}">
+                <a16:creationId xmlns:a16="http://schemas.microsoft.com/office/drawing/2014/main" id="{F89E3DBE-20D4-AA7C-2327-1DA67226F24A}"/>
+              </a:ext>
+            </a:extLst>
+          </p:cNvPr>
+          <p:cNvCxnSpPr/>
+          <p:nvPr/>
+        </p:nvCxnSpPr>
+        <p:spPr>
+          <a:xfrm flipH="1">
+            <a:off x="6943898" y="2048475"/>
+            <a:ext cx="402641" cy="0"/>
+          </a:xfrm>
+          <a:prstGeom prst="line">
+            <a:avLst/>
+          </a:prstGeom>
+          <a:ln>
+            <a:solidFill>
+              <a:schemeClr val="accent2">
+                <a:lumMod val="60000"/>
+                <a:lumOff val="40000"/>
+              </a:schemeClr>
+            </a:solidFill>
+          </a:ln>
+        </p:spPr>
+        <p:style>
+          <a:lnRef idx="2">
+            <a:schemeClr val="accent1"/>
+          </a:lnRef>
+          <a:fillRef idx="0">
+            <a:schemeClr val="accent1"/>
+          </a:fillRef>
+          <a:effectRef idx="1">
+            <a:schemeClr val="accent1"/>
+          </a:effectRef>
+          <a:fontRef idx="minor">
+            <a:schemeClr val="tx1"/>
+          </a:fontRef>
+        </p:style>
+      </p:cxnSp>
+      <p:cxnSp>
+        <p:nvCxnSpPr>
+          <p:cNvPr id="92" name="직선 연결선 91">
+            <a:extLst>
+              <a:ext uri="{FF2B5EF4-FFF2-40B4-BE49-F238E27FC236}">
+                <a16:creationId xmlns:a16="http://schemas.microsoft.com/office/drawing/2014/main" id="{88ECD0D0-D092-581A-AFFB-19ABD87CE6B0}"/>
+              </a:ext>
+            </a:extLst>
+          </p:cNvPr>
+          <p:cNvCxnSpPr/>
+          <p:nvPr/>
+        </p:nvCxnSpPr>
+        <p:spPr>
+          <a:xfrm flipH="1">
+            <a:off x="6937399" y="1408561"/>
+            <a:ext cx="402641" cy="0"/>
+          </a:xfrm>
+          <a:prstGeom prst="line">
+            <a:avLst/>
+          </a:prstGeom>
+          <a:ln>
+            <a:solidFill>
+              <a:schemeClr val="accent2">
+                <a:lumMod val="60000"/>
+                <a:lumOff val="40000"/>
+              </a:schemeClr>
+            </a:solidFill>
+          </a:ln>
+        </p:spPr>
+        <p:style>
+          <a:lnRef idx="2">
+            <a:schemeClr val="accent1"/>
+          </a:lnRef>
+          <a:fillRef idx="0">
+            <a:schemeClr val="accent1"/>
+          </a:fillRef>
+          <a:effectRef idx="1">
+            <a:schemeClr val="accent1"/>
+          </a:effectRef>
+          <a:fontRef idx="minor">
+            <a:schemeClr val="tx1"/>
+          </a:fontRef>
+        </p:style>
+      </p:cxnSp>
+      <p:cxnSp>
+        <p:nvCxnSpPr>
+          <p:cNvPr id="94" name="직선 연결선 93">
+            <a:extLst>
+              <a:ext uri="{FF2B5EF4-FFF2-40B4-BE49-F238E27FC236}">
+                <a16:creationId xmlns:a16="http://schemas.microsoft.com/office/drawing/2014/main" id="{C0CD3B06-7C37-5350-4CA2-045405E6214D}"/>
+              </a:ext>
+            </a:extLst>
+          </p:cNvPr>
+          <p:cNvCxnSpPr>
+            <a:cxnSpLocks/>
+            <a:endCxn id="31" idx="1"/>
+          </p:cNvCxnSpPr>
+          <p:nvPr/>
+        </p:nvCxnSpPr>
+        <p:spPr>
+          <a:xfrm>
+            <a:off x="9210502" y="2729363"/>
+            <a:ext cx="275243" cy="0"/>
+          </a:xfrm>
+          <a:prstGeom prst="line">
+            <a:avLst/>
+          </a:prstGeom>
+          <a:ln>
+            <a:solidFill>
+              <a:schemeClr val="accent2">
+                <a:lumMod val="60000"/>
+                <a:lumOff val="40000"/>
+              </a:schemeClr>
+            </a:solidFill>
+          </a:ln>
+        </p:spPr>
+        <p:style>
+          <a:lnRef idx="2">
+            <a:schemeClr val="accent1"/>
+          </a:lnRef>
+          <a:fillRef idx="0">
+            <a:schemeClr val="accent1"/>
+          </a:fillRef>
+          <a:effectRef idx="1">
+            <a:schemeClr val="accent1"/>
+          </a:effectRef>
+          <a:fontRef idx="minor">
+            <a:schemeClr val="tx1"/>
+          </a:fontRef>
+        </p:style>
+      </p:cxnSp>
+      <p:cxnSp>
+        <p:nvCxnSpPr>
+          <p:cNvPr id="97" name="직선 연결선 96">
+            <a:extLst>
+              <a:ext uri="{FF2B5EF4-FFF2-40B4-BE49-F238E27FC236}">
+                <a16:creationId xmlns:a16="http://schemas.microsoft.com/office/drawing/2014/main" id="{171472E8-2391-0C01-A563-171EEA43A95F}"/>
+              </a:ext>
+            </a:extLst>
+          </p:cNvPr>
+          <p:cNvCxnSpPr>
+            <a:cxnSpLocks/>
+          </p:cNvCxnSpPr>
+          <p:nvPr/>
+        </p:nvCxnSpPr>
+        <p:spPr>
+          <a:xfrm>
+            <a:off x="9210502" y="2048475"/>
+            <a:ext cx="275243" cy="0"/>
+          </a:xfrm>
+          <a:prstGeom prst="line">
+            <a:avLst/>
+          </a:prstGeom>
+          <a:ln>
+            <a:solidFill>
+              <a:schemeClr val="accent2">
+                <a:lumMod val="60000"/>
+                <a:lumOff val="40000"/>
+              </a:schemeClr>
+            </a:solidFill>
+          </a:ln>
+        </p:spPr>
+        <p:style>
+          <a:lnRef idx="2">
+            <a:schemeClr val="accent1"/>
+          </a:lnRef>
+          <a:fillRef idx="0">
+            <a:schemeClr val="accent1"/>
+          </a:fillRef>
+          <a:effectRef idx="1">
+            <a:schemeClr val="accent1"/>
+          </a:effectRef>
+          <a:fontRef idx="minor">
+            <a:schemeClr val="tx1"/>
+          </a:fontRef>
+        </p:style>
+      </p:cxnSp>
+      <p:cxnSp>
+        <p:nvCxnSpPr>
+          <p:cNvPr id="98" name="직선 연결선 97">
+            <a:extLst>
+              <a:ext uri="{FF2B5EF4-FFF2-40B4-BE49-F238E27FC236}">
+                <a16:creationId xmlns:a16="http://schemas.microsoft.com/office/drawing/2014/main" id="{847586BF-4BFD-CB8F-E969-61E3D53E3681}"/>
+              </a:ext>
+            </a:extLst>
+          </p:cNvPr>
+          <p:cNvCxnSpPr>
+            <a:cxnSpLocks/>
+          </p:cNvCxnSpPr>
+          <p:nvPr/>
+        </p:nvCxnSpPr>
+        <p:spPr>
+          <a:xfrm>
+            <a:off x="9212349" y="1408561"/>
+            <a:ext cx="275243" cy="0"/>
+          </a:xfrm>
+          <a:prstGeom prst="line">
+            <a:avLst/>
+          </a:prstGeom>
+          <a:ln>
+            <a:solidFill>
+              <a:schemeClr val="accent2">
+                <a:lumMod val="60000"/>
+                <a:lumOff val="40000"/>
+              </a:schemeClr>
+            </a:solidFill>
+          </a:ln>
+        </p:spPr>
+        <p:style>
+          <a:lnRef idx="2">
+            <a:schemeClr val="accent1"/>
+          </a:lnRef>
+          <a:fillRef idx="0">
+            <a:schemeClr val="accent1"/>
+          </a:fillRef>
+          <a:effectRef idx="1">
+            <a:schemeClr val="accent1"/>
+          </a:effectRef>
+          <a:fontRef idx="minor">
+            <a:schemeClr val="tx1"/>
+          </a:fontRef>
+        </p:style>
+      </p:cxnSp>
+      <p:cxnSp>
+        <p:nvCxnSpPr>
+          <p:cNvPr id="109" name="직선 연결선 108">
+            <a:extLst>
+              <a:ext uri="{FF2B5EF4-FFF2-40B4-BE49-F238E27FC236}">
+                <a16:creationId xmlns:a16="http://schemas.microsoft.com/office/drawing/2014/main" id="{D31DC4FB-4F5A-9070-8086-9A5C42B73C0F}"/>
+              </a:ext>
+            </a:extLst>
+          </p:cNvPr>
+          <p:cNvCxnSpPr>
+            <a:stCxn id="5" idx="0"/>
+          </p:cNvCxnSpPr>
+          <p:nvPr/>
+        </p:nvCxnSpPr>
+        <p:spPr>
+          <a:xfrm flipV="1">
+            <a:off x="1642097" y="1019695"/>
+            <a:ext cx="0" cy="134992"/>
+          </a:xfrm>
+          <a:prstGeom prst="line">
+            <a:avLst/>
+          </a:prstGeom>
+          <a:ln>
+            <a:solidFill>
+              <a:schemeClr val="accent2">
+                <a:lumMod val="60000"/>
+                <a:lumOff val="40000"/>
+              </a:schemeClr>
+            </a:solidFill>
+          </a:ln>
+        </p:spPr>
+        <p:style>
+          <a:lnRef idx="2">
+            <a:schemeClr val="accent1"/>
+          </a:lnRef>
+          <a:fillRef idx="0">
+            <a:schemeClr val="accent1"/>
+          </a:fillRef>
+          <a:effectRef idx="1">
+            <a:schemeClr val="accent1"/>
+          </a:effectRef>
+          <a:fontRef idx="minor">
+            <a:schemeClr val="tx1"/>
+          </a:fontRef>
+        </p:style>
+      </p:cxnSp>
+      <p:cxnSp>
+        <p:nvCxnSpPr>
+          <p:cNvPr id="114" name="직선 연결선 113">
+            <a:extLst>
+              <a:ext uri="{FF2B5EF4-FFF2-40B4-BE49-F238E27FC236}">
+                <a16:creationId xmlns:a16="http://schemas.microsoft.com/office/drawing/2014/main" id="{2D33A9DF-2BC3-0435-549B-AC6CDC1614F8}"/>
+              </a:ext>
+            </a:extLst>
+          </p:cNvPr>
+          <p:cNvCxnSpPr/>
+          <p:nvPr/>
+        </p:nvCxnSpPr>
+        <p:spPr>
+          <a:xfrm flipV="1">
+            <a:off x="3789552" y="1019695"/>
+            <a:ext cx="0" cy="134992"/>
+          </a:xfrm>
+          <a:prstGeom prst="line">
+            <a:avLst/>
+          </a:prstGeom>
+          <a:ln>
+            <a:solidFill>
+              <a:schemeClr val="accent2">
+                <a:lumMod val="60000"/>
+                <a:lumOff val="40000"/>
+              </a:schemeClr>
+            </a:solidFill>
+          </a:ln>
+        </p:spPr>
+        <p:style>
+          <a:lnRef idx="2">
+            <a:schemeClr val="accent1"/>
+          </a:lnRef>
+          <a:fillRef idx="0">
+            <a:schemeClr val="accent1"/>
+          </a:fillRef>
+          <a:effectRef idx="1">
+            <a:schemeClr val="accent1"/>
+          </a:effectRef>
+          <a:fontRef idx="minor">
+            <a:schemeClr val="tx1"/>
+          </a:fontRef>
+        </p:style>
+      </p:cxnSp>
+      <p:cxnSp>
+        <p:nvCxnSpPr>
+          <p:cNvPr id="116" name="직선 연결선 115">
+            <a:extLst>
+              <a:ext uri="{FF2B5EF4-FFF2-40B4-BE49-F238E27FC236}">
+                <a16:creationId xmlns:a16="http://schemas.microsoft.com/office/drawing/2014/main" id="{2EB8D5A4-32C8-A183-B2CB-E37B3100EF04}"/>
+              </a:ext>
+            </a:extLst>
+          </p:cNvPr>
+          <p:cNvCxnSpPr/>
+          <p:nvPr/>
+        </p:nvCxnSpPr>
+        <p:spPr>
+          <a:xfrm flipV="1">
+            <a:off x="8073377" y="1019695"/>
+            <a:ext cx="0" cy="134992"/>
+          </a:xfrm>
+          <a:prstGeom prst="line">
+            <a:avLst/>
+          </a:prstGeom>
+          <a:ln>
+            <a:solidFill>
+              <a:schemeClr val="accent2">
+                <a:lumMod val="60000"/>
+                <a:lumOff val="40000"/>
+              </a:schemeClr>
+            </a:solidFill>
+          </a:ln>
+        </p:spPr>
+        <p:style>
+          <a:lnRef idx="2">
+            <a:schemeClr val="accent1"/>
+          </a:lnRef>
+          <a:fillRef idx="0">
+            <a:schemeClr val="accent1"/>
+          </a:fillRef>
+          <a:effectRef idx="1">
+            <a:schemeClr val="accent1"/>
+          </a:effectRef>
+          <a:fontRef idx="minor">
+            <a:schemeClr val="tx1"/>
+          </a:fontRef>
+        </p:style>
+      </p:cxnSp>
+      <p:cxnSp>
+        <p:nvCxnSpPr>
+          <p:cNvPr id="119" name="직선 연결선 118">
+            <a:extLst>
+              <a:ext uri="{FF2B5EF4-FFF2-40B4-BE49-F238E27FC236}">
+                <a16:creationId xmlns:a16="http://schemas.microsoft.com/office/drawing/2014/main" id="{033AFC1E-3139-E53A-85B1-B60578E13957}"/>
+              </a:ext>
+            </a:extLst>
+          </p:cNvPr>
+          <p:cNvCxnSpPr>
+            <a:stCxn id="11" idx="0"/>
+          </p:cNvCxnSpPr>
+          <p:nvPr/>
+        </p:nvCxnSpPr>
+        <p:spPr>
+          <a:xfrm flipV="1">
+            <a:off x="10198921" y="1019695"/>
+            <a:ext cx="0" cy="134992"/>
+          </a:xfrm>
+          <a:prstGeom prst="line">
+            <a:avLst/>
+          </a:prstGeom>
+          <a:ln>
+            <a:solidFill>
+              <a:schemeClr val="accent2">
+                <a:lumMod val="60000"/>
+                <a:lumOff val="40000"/>
+              </a:schemeClr>
+            </a:solidFill>
+          </a:ln>
+        </p:spPr>
+        <p:style>
+          <a:lnRef idx="2">
+            <a:schemeClr val="accent1"/>
+          </a:lnRef>
+          <a:fillRef idx="0">
+            <a:schemeClr val="accent1"/>
+          </a:fillRef>
+          <a:effectRef idx="1">
+            <a:schemeClr val="accent1"/>
+          </a:effectRef>
+          <a:fontRef idx="minor">
+            <a:schemeClr val="tx1"/>
+          </a:fontRef>
+        </p:style>
+      </p:cxnSp>
     </p:spTree>
     <p:extLst>
       <p:ext uri="{BB962C8B-B14F-4D97-AF65-F5344CB8AC3E}">
